--- a/architecture/HW-Architecture.pptx
+++ b/architecture/HW-Architecture.pptx
@@ -5,10 +5,11 @@
     <p:sldMasterId id="2147483684" r:id="rId1"/>
   </p:sldMasterIdLst>
   <p:notesMasterIdLst>
-    <p:notesMasterId r:id="rId3"/>
+    <p:notesMasterId r:id="rId4"/>
   </p:notesMasterIdLst>
   <p:sldIdLst>
-    <p:sldId id="258" r:id="rId2"/>
+    <p:sldId id="259" r:id="rId2"/>
+    <p:sldId id="258" r:id="rId3"/>
   </p:sldIdLst>
   <p:sldSz cx="8280400" cy="5400675"/>
   <p:notesSz cx="6858000" cy="9144000"/>
@@ -209,7 +210,7 @@
           <a:p>
             <a:fld id="{94F99229-3BAB-5346-9BC8-76595F492884}" type="datetimeFigureOut">
               <a:rPr kumimoji="1" lang="ko-Kore-KR" altLang="en-US" smtClean="0"/>
-              <a:t>08/29/2020</a:t>
+              <a:t>2021. 5. 12.</a:t>
             </a:fld>
             <a:endParaRPr kumimoji="1" lang="ko-Kore-KR" altLang="en-US"/>
           </a:p>
@@ -551,6 +552,90 @@
     </p:spTree>
     <p:extLst>
       <p:ext uri="{BB962C8B-B14F-4D97-AF65-F5344CB8AC3E}">
+        <p14:creationId xmlns:p14="http://schemas.microsoft.com/office/powerpoint/2010/main" val="2847111832"/>
+      </p:ext>
+    </p:extLst>
+  </p:cSld>
+  <p:clrMapOvr>
+    <a:masterClrMapping/>
+  </p:clrMapOvr>
+</p:notes>
+</file>
+
+<file path=ppt/notesSlides/notesSlide2.xml><?xml version="1.0" encoding="utf-8"?>
+<p:notes xmlns:a="http://schemas.openxmlformats.org/drawingml/2006/main" xmlns:r="http://schemas.openxmlformats.org/officeDocument/2006/relationships" xmlns:p="http://schemas.openxmlformats.org/presentationml/2006/main">
+  <p:cSld>
+    <p:spTree>
+      <p:nvGrpSpPr>
+        <p:cNvPr id="1" name=""/>
+        <p:cNvGrpSpPr/>
+        <p:nvPr/>
+      </p:nvGrpSpPr>
+      <p:grpSpPr>
+        <a:xfrm>
+          <a:off x="0" y="0"/>
+          <a:ext cx="0" cy="0"/>
+          <a:chOff x="0" y="0"/>
+          <a:chExt cx="0" cy="0"/>
+        </a:xfrm>
+      </p:grpSpPr>
+      <p:sp>
+        <p:nvSpPr>
+          <p:cNvPr id="2" name="슬라이드 이미지 개체 틀 1"/>
+          <p:cNvSpPr>
+            <a:spLocks noGrp="1" noRot="1" noChangeAspect="1"/>
+          </p:cNvSpPr>
+          <p:nvPr>
+            <p:ph type="sldImg"/>
+          </p:nvPr>
+        </p:nvSpPr>
+        <p:spPr/>
+      </p:sp>
+      <p:sp>
+        <p:nvSpPr>
+          <p:cNvPr id="3" name="슬라이드 노트 개체 틀 2"/>
+          <p:cNvSpPr>
+            <a:spLocks noGrp="1"/>
+          </p:cNvSpPr>
+          <p:nvPr>
+            <p:ph type="body" idx="1"/>
+          </p:nvPr>
+        </p:nvSpPr>
+        <p:spPr/>
+        <p:txBody>
+          <a:bodyPr/>
+          <a:lstStyle/>
+          <a:p>
+            <a:endParaRPr kumimoji="1" lang="ko-Kore-KR" altLang="en-US" dirty="0"/>
+          </a:p>
+        </p:txBody>
+      </p:sp>
+      <p:sp>
+        <p:nvSpPr>
+          <p:cNvPr id="4" name="슬라이드 번호 개체 틀 3"/>
+          <p:cNvSpPr>
+            <a:spLocks noGrp="1"/>
+          </p:cNvSpPr>
+          <p:nvPr>
+            <p:ph type="sldNum" sz="quarter" idx="5"/>
+          </p:nvPr>
+        </p:nvSpPr>
+        <p:spPr/>
+        <p:txBody>
+          <a:bodyPr/>
+          <a:lstStyle/>
+          <a:p>
+            <a:fld id="{FB5EF575-5036-7245-858F-FA37BB10D499}" type="slidenum">
+              <a:rPr kumimoji="1" lang="ko-Kore-KR" altLang="en-US" smtClean="0"/>
+              <a:t>2</a:t>
+            </a:fld>
+            <a:endParaRPr kumimoji="1" lang="ko-Kore-KR" altLang="en-US"/>
+          </a:p>
+        </p:txBody>
+      </p:sp>
+    </p:spTree>
+    <p:extLst>
+      <p:ext uri="{BB962C8B-B14F-4D97-AF65-F5344CB8AC3E}">
         <p14:creationId xmlns:p14="http://schemas.microsoft.com/office/powerpoint/2010/main" val="1075329400"/>
       </p:ext>
     </p:extLst>
@@ -692,7 +777,7 @@
           <a:p>
             <a:fld id="{A441B319-3D56-624A-B72E-F3B10B247E99}" type="datetimeFigureOut">
               <a:rPr kumimoji="1" lang="ko-Kore-KR" altLang="en-US" smtClean="0"/>
-              <a:t>08/29/2020</a:t>
+              <a:t>2021. 5. 12.</a:t>
             </a:fld>
             <a:endParaRPr kumimoji="1" lang="ko-Kore-KR" altLang="en-US"/>
           </a:p>
@@ -862,7 +947,7 @@
           <a:p>
             <a:fld id="{A441B319-3D56-624A-B72E-F3B10B247E99}" type="datetimeFigureOut">
               <a:rPr kumimoji="1" lang="ko-Kore-KR" altLang="en-US" smtClean="0"/>
-              <a:t>08/29/2020</a:t>
+              <a:t>2021. 5. 12.</a:t>
             </a:fld>
             <a:endParaRPr kumimoji="1" lang="ko-Kore-KR" altLang="en-US"/>
           </a:p>
@@ -1042,7 +1127,7 @@
           <a:p>
             <a:fld id="{A441B319-3D56-624A-B72E-F3B10B247E99}" type="datetimeFigureOut">
               <a:rPr kumimoji="1" lang="ko-Kore-KR" altLang="en-US" smtClean="0"/>
-              <a:t>08/29/2020</a:t>
+              <a:t>2021. 5. 12.</a:t>
             </a:fld>
             <a:endParaRPr kumimoji="1" lang="ko-Kore-KR" altLang="en-US"/>
           </a:p>
@@ -1212,7 +1297,7 @@
           <a:p>
             <a:fld id="{A441B319-3D56-624A-B72E-F3B10B247E99}" type="datetimeFigureOut">
               <a:rPr kumimoji="1" lang="ko-Kore-KR" altLang="en-US" smtClean="0"/>
-              <a:t>08/29/2020</a:t>
+              <a:t>2021. 5. 12.</a:t>
             </a:fld>
             <a:endParaRPr kumimoji="1" lang="ko-Kore-KR" altLang="en-US"/>
           </a:p>
@@ -1456,7 +1541,7 @@
           <a:p>
             <a:fld id="{A441B319-3D56-624A-B72E-F3B10B247E99}" type="datetimeFigureOut">
               <a:rPr kumimoji="1" lang="ko-Kore-KR" altLang="en-US" smtClean="0"/>
-              <a:t>08/29/2020</a:t>
+              <a:t>2021. 5. 12.</a:t>
             </a:fld>
             <a:endParaRPr kumimoji="1" lang="ko-Kore-KR" altLang="en-US"/>
           </a:p>
@@ -1688,7 +1773,7 @@
           <a:p>
             <a:fld id="{A441B319-3D56-624A-B72E-F3B10B247E99}" type="datetimeFigureOut">
               <a:rPr kumimoji="1" lang="ko-Kore-KR" altLang="en-US" smtClean="0"/>
-              <a:t>08/29/2020</a:t>
+              <a:t>2021. 5. 12.</a:t>
             </a:fld>
             <a:endParaRPr kumimoji="1" lang="ko-Kore-KR" altLang="en-US"/>
           </a:p>
@@ -2055,7 +2140,7 @@
           <a:p>
             <a:fld id="{A441B319-3D56-624A-B72E-F3B10B247E99}" type="datetimeFigureOut">
               <a:rPr kumimoji="1" lang="ko-Kore-KR" altLang="en-US" smtClean="0"/>
-              <a:t>08/29/2020</a:t>
+              <a:t>2021. 5. 12.</a:t>
             </a:fld>
             <a:endParaRPr kumimoji="1" lang="ko-Kore-KR" altLang="en-US"/>
           </a:p>
@@ -2173,7 +2258,7 @@
           <a:p>
             <a:fld id="{A441B319-3D56-624A-B72E-F3B10B247E99}" type="datetimeFigureOut">
               <a:rPr kumimoji="1" lang="ko-Kore-KR" altLang="en-US" smtClean="0"/>
-              <a:t>08/29/2020</a:t>
+              <a:t>2021. 5. 12.</a:t>
             </a:fld>
             <a:endParaRPr kumimoji="1" lang="ko-Kore-KR" altLang="en-US"/>
           </a:p>
@@ -2268,7 +2353,7 @@
           <a:p>
             <a:fld id="{A441B319-3D56-624A-B72E-F3B10B247E99}" type="datetimeFigureOut">
               <a:rPr kumimoji="1" lang="ko-Kore-KR" altLang="en-US" smtClean="0"/>
-              <a:t>08/29/2020</a:t>
+              <a:t>2021. 5. 12.</a:t>
             </a:fld>
             <a:endParaRPr kumimoji="1" lang="ko-Kore-KR" altLang="en-US"/>
           </a:p>
@@ -2545,7 +2630,7 @@
           <a:p>
             <a:fld id="{A441B319-3D56-624A-B72E-F3B10B247E99}" type="datetimeFigureOut">
               <a:rPr kumimoji="1" lang="ko-Kore-KR" altLang="en-US" smtClean="0"/>
-              <a:t>08/29/2020</a:t>
+              <a:t>2021. 5. 12.</a:t>
             </a:fld>
             <a:endParaRPr kumimoji="1" lang="ko-Kore-KR" altLang="en-US"/>
           </a:p>
@@ -2802,7 +2887,7 @@
           <a:p>
             <a:fld id="{A441B319-3D56-624A-B72E-F3B10B247E99}" type="datetimeFigureOut">
               <a:rPr kumimoji="1" lang="ko-Kore-KR" altLang="en-US" smtClean="0"/>
-              <a:t>08/29/2020</a:t>
+              <a:t>2021. 5. 12.</a:t>
             </a:fld>
             <a:endParaRPr kumimoji="1" lang="ko-Kore-KR" altLang="en-US"/>
           </a:p>
@@ -3015,7 +3100,7 @@
           <a:p>
             <a:fld id="{A441B319-3D56-624A-B72E-F3B10B247E99}" type="datetimeFigureOut">
               <a:rPr kumimoji="1" lang="ko-Kore-KR" altLang="en-US" smtClean="0"/>
-              <a:t>08/29/2020</a:t>
+              <a:t>2021. 5. 12.</a:t>
             </a:fld>
             <a:endParaRPr kumimoji="1" lang="ko-Kore-KR" altLang="en-US"/>
           </a:p>
@@ -4116,7 +4201,7 @@
         <p:spPr>
           <a:xfrm>
             <a:off x="50409" y="6875"/>
-            <a:ext cx="3594254" cy="369332"/>
+            <a:ext cx="4352410" cy="369332"/>
           </a:xfrm>
           <a:prstGeom prst="rect">
             <a:avLst/>
@@ -4134,7 +4219,7 @@
                 <a:latin typeface="Impact" panose="020B0806030902050204" pitchFamily="34" charset="0"/>
                 <a:cs typeface="Baloo" panose="03080902040302020200" pitchFamily="66" charset="0"/>
               </a:rPr>
-              <a:t>Architecture Design of the Capstone</a:t>
+              <a:t>Architecture Design of the Capstone  (Ver. 1)</a:t>
             </a:r>
             <a:endParaRPr kumimoji="1" lang="ko-Kore-KR" altLang="en-US" dirty="0">
               <a:latin typeface="Impact" panose="020B0806030902050204" pitchFamily="34" charset="0"/>
@@ -4819,7 +4904,7 @@
         </p:nvSpPr>
         <p:spPr>
           <a:xfrm>
-            <a:off x="2496400" y="1568451"/>
+            <a:off x="2496400" y="1577077"/>
             <a:ext cx="900000" cy="261610"/>
           </a:xfrm>
           <a:prstGeom prst="rect">
@@ -5690,8 +5775,8 @@
         </p:nvSpPr>
         <p:spPr>
           <a:xfrm>
-            <a:off x="1328570" y="2826515"/>
-            <a:ext cx="36000" cy="1080000"/>
+            <a:off x="1328569" y="2826515"/>
+            <a:ext cx="45719" cy="789856"/>
           </a:xfrm>
           <a:prstGeom prst="upArrow">
             <a:avLst/>
@@ -6347,6 +6432,2869 @@
             <a:endParaRPr kumimoji="1" lang="ko-Kore-KR" altLang="en-US" sz="600" dirty="0">
               <a:solidFill>
                 <a:srgbClr val="0070C0"/>
+              </a:solidFill>
+            </a:endParaRPr>
+          </a:p>
+        </p:txBody>
+      </p:sp>
+    </p:spTree>
+    <p:extLst>
+      <p:ext uri="{BB962C8B-B14F-4D97-AF65-F5344CB8AC3E}">
+        <p14:creationId xmlns:p14="http://schemas.microsoft.com/office/powerpoint/2010/main" val="3863465642"/>
+      </p:ext>
+    </p:extLst>
+  </p:cSld>
+  <p:clrMapOvr>
+    <a:masterClrMapping/>
+  </p:clrMapOvr>
+</p:sld>
+</file>
+
+<file path=ppt/slides/slide2.xml><?xml version="1.0" encoding="utf-8"?>
+<p:sld xmlns:a="http://schemas.openxmlformats.org/drawingml/2006/main" xmlns:r="http://schemas.openxmlformats.org/officeDocument/2006/relationships" xmlns:p="http://schemas.openxmlformats.org/presentationml/2006/main">
+  <p:cSld>
+    <p:spTree>
+      <p:nvGrpSpPr>
+        <p:cNvPr id="1" name=""/>
+        <p:cNvGrpSpPr/>
+        <p:nvPr/>
+      </p:nvGrpSpPr>
+      <p:grpSpPr>
+        <a:xfrm>
+          <a:off x="0" y="0"/>
+          <a:ext cx="0" cy="0"/>
+          <a:chOff x="0" y="0"/>
+          <a:chExt cx="0" cy="0"/>
+        </a:xfrm>
+      </p:grpSpPr>
+      <p:sp>
+        <p:nvSpPr>
+          <p:cNvPr id="105" name="모서리가 둥근 직사각형 104">
+            <a:extLst>
+              <a:ext uri="{FF2B5EF4-FFF2-40B4-BE49-F238E27FC236}">
+                <a16:creationId xmlns:a16="http://schemas.microsoft.com/office/drawing/2014/main" id="{04B64BA1-69C9-0D4C-9346-84B0AD93AEF9}"/>
+              </a:ext>
+            </a:extLst>
+          </p:cNvPr>
+          <p:cNvSpPr/>
+          <p:nvPr/>
+        </p:nvSpPr>
+        <p:spPr>
+          <a:xfrm>
+            <a:off x="6737935" y="2661938"/>
+            <a:ext cx="1450668" cy="1737816"/>
+          </a:xfrm>
+          <a:prstGeom prst="roundRect">
+            <a:avLst>
+              <a:gd name="adj" fmla="val 5929"/>
+            </a:avLst>
+          </a:prstGeom>
+          <a:ln w="10160">
+            <a:solidFill>
+              <a:schemeClr val="tx1">
+                <a:lumMod val="50000"/>
+                <a:lumOff val="50000"/>
+              </a:schemeClr>
+            </a:solidFill>
+          </a:ln>
+          <a:effectLst/>
+        </p:spPr>
+        <p:style>
+          <a:lnRef idx="2">
+            <a:schemeClr val="accent6"/>
+          </a:lnRef>
+          <a:fillRef idx="1">
+            <a:schemeClr val="lt1"/>
+          </a:fillRef>
+          <a:effectRef idx="0">
+            <a:schemeClr val="accent6"/>
+          </a:effectRef>
+          <a:fontRef idx="minor">
+            <a:schemeClr val="dk1"/>
+          </a:fontRef>
+        </p:style>
+        <p:txBody>
+          <a:bodyPr rtlCol="0" anchor="ctr"/>
+          <a:lstStyle/>
+          <a:p>
+            <a:pPr algn="ctr"/>
+            <a:endParaRPr kumimoji="1" lang="ko-Kore-KR" altLang="en-US" sz="1500" dirty="0"/>
+          </a:p>
+        </p:txBody>
+      </p:sp>
+      <p:sp>
+        <p:nvSpPr>
+          <p:cNvPr id="79" name="모서리가 둥근 직사각형 78">
+            <a:extLst>
+              <a:ext uri="{FF2B5EF4-FFF2-40B4-BE49-F238E27FC236}">
+                <a16:creationId xmlns:a16="http://schemas.microsoft.com/office/drawing/2014/main" id="{69BD5EDC-4504-2E44-97D9-6BA764B857C4}"/>
+              </a:ext>
+            </a:extLst>
+          </p:cNvPr>
+          <p:cNvSpPr/>
+          <p:nvPr/>
+        </p:nvSpPr>
+        <p:spPr>
+          <a:xfrm>
+            <a:off x="4938228" y="2707427"/>
+            <a:ext cx="1423113" cy="912308"/>
+          </a:xfrm>
+          <a:prstGeom prst="roundRect">
+            <a:avLst>
+              <a:gd name="adj" fmla="val 5929"/>
+            </a:avLst>
+          </a:prstGeom>
+          <a:ln w="10160">
+            <a:solidFill>
+              <a:schemeClr val="tx1">
+                <a:lumMod val="50000"/>
+                <a:lumOff val="50000"/>
+              </a:schemeClr>
+            </a:solidFill>
+          </a:ln>
+          <a:effectLst/>
+        </p:spPr>
+        <p:style>
+          <a:lnRef idx="2">
+            <a:schemeClr val="accent6"/>
+          </a:lnRef>
+          <a:fillRef idx="1">
+            <a:schemeClr val="lt1"/>
+          </a:fillRef>
+          <a:effectRef idx="0">
+            <a:schemeClr val="accent6"/>
+          </a:effectRef>
+          <a:fontRef idx="minor">
+            <a:schemeClr val="dk1"/>
+          </a:fontRef>
+        </p:style>
+        <p:txBody>
+          <a:bodyPr rtlCol="0" anchor="ctr"/>
+          <a:lstStyle/>
+          <a:p>
+            <a:pPr algn="ctr"/>
+            <a:endParaRPr kumimoji="1" lang="ko-Kore-KR" altLang="en-US" sz="1500" dirty="0"/>
+          </a:p>
+        </p:txBody>
+      </p:sp>
+      <p:cxnSp>
+        <p:nvCxnSpPr>
+          <p:cNvPr id="5" name="직선 연결선[R] 4">
+            <a:extLst>
+              <a:ext uri="{FF2B5EF4-FFF2-40B4-BE49-F238E27FC236}">
+                <a16:creationId xmlns:a16="http://schemas.microsoft.com/office/drawing/2014/main" id="{A1150F26-E61E-0541-BCDA-93853D45EBC7}"/>
+              </a:ext>
+            </a:extLst>
+          </p:cNvPr>
+          <p:cNvCxnSpPr>
+            <a:cxnSpLocks/>
+          </p:cNvCxnSpPr>
+          <p:nvPr/>
+        </p:nvCxnSpPr>
+        <p:spPr>
+          <a:xfrm>
+            <a:off x="150293" y="461783"/>
+            <a:ext cx="8130106" cy="5799"/>
+          </a:xfrm>
+          <a:prstGeom prst="line">
+            <a:avLst/>
+          </a:prstGeom>
+          <a:ln w="25400"/>
+        </p:spPr>
+        <p:style>
+          <a:lnRef idx="1">
+            <a:schemeClr val="dk1"/>
+          </a:lnRef>
+          <a:fillRef idx="0">
+            <a:schemeClr val="dk1"/>
+          </a:fillRef>
+          <a:effectRef idx="0">
+            <a:schemeClr val="dk1"/>
+          </a:effectRef>
+          <a:fontRef idx="minor">
+            <a:schemeClr val="tx1"/>
+          </a:fontRef>
+        </p:style>
+      </p:cxnSp>
+      <p:sp>
+        <p:nvSpPr>
+          <p:cNvPr id="7" name="TextBox 6">
+            <a:extLst>
+              <a:ext uri="{FF2B5EF4-FFF2-40B4-BE49-F238E27FC236}">
+                <a16:creationId xmlns:a16="http://schemas.microsoft.com/office/drawing/2014/main" id="{D1C97DA1-5972-F24A-8D05-132F1120EE15}"/>
+              </a:ext>
+            </a:extLst>
+          </p:cNvPr>
+          <p:cNvSpPr txBox="1"/>
+          <p:nvPr/>
+        </p:nvSpPr>
+        <p:spPr>
+          <a:xfrm>
+            <a:off x="50409" y="6875"/>
+            <a:ext cx="4339586" cy="369332"/>
+          </a:xfrm>
+          <a:prstGeom prst="rect">
+            <a:avLst/>
+          </a:prstGeom>
+          <a:noFill/>
+        </p:spPr>
+        <p:txBody>
+          <a:bodyPr wrap="none" rtlCol="0">
+            <a:spAutoFit/>
+          </a:bodyPr>
+          <a:lstStyle/>
+          <a:p>
+            <a:r>
+              <a:rPr kumimoji="1" lang="en-US" altLang="ko-Kore-KR" dirty="0">
+                <a:latin typeface="Impact" panose="020B0806030902050204" pitchFamily="34" charset="0"/>
+                <a:cs typeface="Baloo" panose="03080902040302020200" pitchFamily="66" charset="0"/>
+              </a:rPr>
+              <a:t>Architecture Design of the Capstone (Ver. 2)</a:t>
+            </a:r>
+            <a:endParaRPr kumimoji="1" lang="ko-Kore-KR" altLang="en-US" dirty="0">
+              <a:latin typeface="Impact" panose="020B0806030902050204" pitchFamily="34" charset="0"/>
+              <a:cs typeface="Baloo" panose="03080902040302020200" pitchFamily="66" charset="0"/>
+            </a:endParaRPr>
+          </a:p>
+        </p:txBody>
+      </p:sp>
+      <p:sp>
+        <p:nvSpPr>
+          <p:cNvPr id="8" name="TextBox 7">
+            <a:extLst>
+              <a:ext uri="{FF2B5EF4-FFF2-40B4-BE49-F238E27FC236}">
+                <a16:creationId xmlns:a16="http://schemas.microsoft.com/office/drawing/2014/main" id="{B7E90BFD-4A19-ED45-A026-998A569C16F3}"/>
+              </a:ext>
+            </a:extLst>
+          </p:cNvPr>
+          <p:cNvSpPr txBox="1"/>
+          <p:nvPr/>
+        </p:nvSpPr>
+        <p:spPr>
+          <a:xfrm>
+            <a:off x="43927" y="267527"/>
+            <a:ext cx="2624436" cy="200055"/>
+          </a:xfrm>
+          <a:prstGeom prst="rect">
+            <a:avLst/>
+          </a:prstGeom>
+          <a:noFill/>
+        </p:spPr>
+        <p:txBody>
+          <a:bodyPr wrap="none" rtlCol="0">
+            <a:spAutoFit/>
+          </a:bodyPr>
+          <a:lstStyle/>
+          <a:p>
+            <a:r>
+              <a:rPr kumimoji="1" lang="en-US" altLang="ko-Kore-KR" sz="700" dirty="0">
+                <a:latin typeface="Batang" panose="02030600000101010101" pitchFamily="18" charset="-127"/>
+                <a:ea typeface="Batang" panose="02030600000101010101" pitchFamily="18" charset="-127"/>
+              </a:rPr>
+              <a:t>Real-time data visualization using distributed processing</a:t>
+            </a:r>
+            <a:endParaRPr kumimoji="1" lang="ko-Kore-KR" altLang="en-US" sz="700" dirty="0">
+              <a:latin typeface="Batang" panose="02030600000101010101" pitchFamily="18" charset="-127"/>
+              <a:ea typeface="Batang" panose="02030600000101010101" pitchFamily="18" charset="-127"/>
+            </a:endParaRPr>
+          </a:p>
+        </p:txBody>
+      </p:sp>
+      <p:sp>
+        <p:nvSpPr>
+          <p:cNvPr id="12" name="모서리가 둥근 직사각형 11">
+            <a:extLst>
+              <a:ext uri="{FF2B5EF4-FFF2-40B4-BE49-F238E27FC236}">
+                <a16:creationId xmlns:a16="http://schemas.microsoft.com/office/drawing/2014/main" id="{8A3B3B55-BF1A-F746-8572-2E53D52BD5DC}"/>
+              </a:ext>
+            </a:extLst>
+          </p:cNvPr>
+          <p:cNvSpPr/>
+          <p:nvPr/>
+        </p:nvSpPr>
+        <p:spPr>
+          <a:xfrm>
+            <a:off x="108471" y="3297651"/>
+            <a:ext cx="1825156" cy="1496715"/>
+          </a:xfrm>
+          <a:prstGeom prst="roundRect">
+            <a:avLst>
+              <a:gd name="adj" fmla="val 5929"/>
+            </a:avLst>
+          </a:prstGeom>
+          <a:ln w="10160">
+            <a:solidFill>
+              <a:schemeClr val="tx1">
+                <a:lumMod val="50000"/>
+                <a:lumOff val="50000"/>
+              </a:schemeClr>
+            </a:solidFill>
+          </a:ln>
+          <a:effectLst/>
+        </p:spPr>
+        <p:style>
+          <a:lnRef idx="2">
+            <a:schemeClr val="accent6"/>
+          </a:lnRef>
+          <a:fillRef idx="1">
+            <a:schemeClr val="lt1"/>
+          </a:fillRef>
+          <a:effectRef idx="0">
+            <a:schemeClr val="accent6"/>
+          </a:effectRef>
+          <a:fontRef idx="minor">
+            <a:schemeClr val="dk1"/>
+          </a:fontRef>
+        </p:style>
+        <p:txBody>
+          <a:bodyPr rtlCol="0" anchor="ctr"/>
+          <a:lstStyle/>
+          <a:p>
+            <a:pPr algn="ctr"/>
+            <a:endParaRPr kumimoji="1" lang="ko-Kore-KR" altLang="en-US" sz="1500" dirty="0"/>
+          </a:p>
+        </p:txBody>
+      </p:sp>
+      <p:sp>
+        <p:nvSpPr>
+          <p:cNvPr id="20" name="TextBox 19">
+            <a:extLst>
+              <a:ext uri="{FF2B5EF4-FFF2-40B4-BE49-F238E27FC236}">
+                <a16:creationId xmlns:a16="http://schemas.microsoft.com/office/drawing/2014/main" id="{DA9A0707-86CD-D84D-A965-520EBF30B5B9}"/>
+              </a:ext>
+            </a:extLst>
+          </p:cNvPr>
+          <p:cNvSpPr txBox="1"/>
+          <p:nvPr/>
+        </p:nvSpPr>
+        <p:spPr>
+          <a:xfrm>
+            <a:off x="169767" y="3179744"/>
+            <a:ext cx="765128" cy="233324"/>
+          </a:xfrm>
+          <a:prstGeom prst="rect">
+            <a:avLst/>
+          </a:prstGeom>
+          <a:solidFill>
+            <a:schemeClr val="bg1"/>
+          </a:solidFill>
+        </p:spPr>
+        <p:txBody>
+          <a:bodyPr wrap="square" rtlCol="0">
+            <a:spAutoFit/>
+          </a:bodyPr>
+          <a:lstStyle/>
+          <a:p>
+            <a:r>
+              <a:rPr kumimoji="1" lang="en-US" altLang="ko-Kore-KR" sz="900" dirty="0">
+                <a:latin typeface="Arial Unicode MS" panose="020B0604020202020204" pitchFamily="34" charset="-128"/>
+                <a:ea typeface="Arial Unicode MS" panose="020B0604020202020204" pitchFamily="34" charset="-128"/>
+                <a:cs typeface="Arial Unicode MS" panose="020B0604020202020204" pitchFamily="34" charset="-128"/>
+              </a:rPr>
+              <a:t>Data Layer</a:t>
+            </a:r>
+            <a:endParaRPr kumimoji="1" lang="ko-Kore-KR" altLang="en-US" sz="900" dirty="0">
+              <a:latin typeface="Arial Unicode MS" panose="020B0604020202020204" pitchFamily="34" charset="-128"/>
+              <a:ea typeface="Arial Unicode MS" panose="020B0604020202020204" pitchFamily="34" charset="-128"/>
+              <a:cs typeface="Arial Unicode MS" panose="020B0604020202020204" pitchFamily="34" charset="-128"/>
+            </a:endParaRPr>
+          </a:p>
+        </p:txBody>
+      </p:sp>
+      <p:sp>
+        <p:nvSpPr>
+          <p:cNvPr id="30" name="문서 29">
+            <a:extLst>
+              <a:ext uri="{FF2B5EF4-FFF2-40B4-BE49-F238E27FC236}">
+                <a16:creationId xmlns:a16="http://schemas.microsoft.com/office/drawing/2014/main" id="{026A409B-8E2C-5741-96F4-7EBF3DF44884}"/>
+              </a:ext>
+            </a:extLst>
+          </p:cNvPr>
+          <p:cNvSpPr/>
+          <p:nvPr/>
+        </p:nvSpPr>
+        <p:spPr>
+          <a:xfrm>
+            <a:off x="184821" y="3582115"/>
+            <a:ext cx="501931" cy="207496"/>
+          </a:xfrm>
+          <a:prstGeom prst="flowChartDocument">
+            <a:avLst/>
+          </a:prstGeom>
+          <a:noFill/>
+          <a:ln w="10160">
+            <a:solidFill>
+              <a:schemeClr val="tx1"/>
+            </a:solidFill>
+          </a:ln>
+        </p:spPr>
+        <p:style>
+          <a:lnRef idx="2">
+            <a:schemeClr val="accent1">
+              <a:shade val="50000"/>
+            </a:schemeClr>
+          </a:lnRef>
+          <a:fillRef idx="1">
+            <a:schemeClr val="accent1"/>
+          </a:fillRef>
+          <a:effectRef idx="0">
+            <a:schemeClr val="accent1"/>
+          </a:effectRef>
+          <a:fontRef idx="minor">
+            <a:schemeClr val="lt1"/>
+          </a:fontRef>
+        </p:style>
+        <p:txBody>
+          <a:bodyPr rtlCol="0" anchor="ctr"/>
+          <a:lstStyle/>
+          <a:p>
+            <a:pPr algn="ctr"/>
+            <a:r>
+              <a:rPr kumimoji="1" lang="en-US" altLang="ko-Kore-KR" sz="800" dirty="0">
+                <a:solidFill>
+                  <a:schemeClr val="tx1"/>
+                </a:solidFill>
+              </a:rPr>
+              <a:t>DAM</a:t>
+            </a:r>
+            <a:endParaRPr kumimoji="1" lang="ko-Kore-KR" altLang="en-US" sz="800" dirty="0">
+              <a:solidFill>
+                <a:schemeClr val="tx1"/>
+              </a:solidFill>
+            </a:endParaRPr>
+          </a:p>
+        </p:txBody>
+      </p:sp>
+      <p:sp>
+        <p:nvSpPr>
+          <p:cNvPr id="32" name="문서 31">
+            <a:extLst>
+              <a:ext uri="{FF2B5EF4-FFF2-40B4-BE49-F238E27FC236}">
+                <a16:creationId xmlns:a16="http://schemas.microsoft.com/office/drawing/2014/main" id="{FE9055E9-F5A3-484D-9C13-3ECCF5F1CBAF}"/>
+              </a:ext>
+            </a:extLst>
+          </p:cNvPr>
+          <p:cNvSpPr/>
+          <p:nvPr/>
+        </p:nvSpPr>
+        <p:spPr>
+          <a:xfrm>
+            <a:off x="1285046" y="3582115"/>
+            <a:ext cx="501931" cy="207496"/>
+          </a:xfrm>
+          <a:prstGeom prst="flowChartDocument">
+            <a:avLst/>
+          </a:prstGeom>
+          <a:noFill/>
+          <a:ln w="10160">
+            <a:solidFill>
+              <a:schemeClr val="tx1"/>
+            </a:solidFill>
+          </a:ln>
+        </p:spPr>
+        <p:style>
+          <a:lnRef idx="2">
+            <a:schemeClr val="accent1">
+              <a:shade val="50000"/>
+            </a:schemeClr>
+          </a:lnRef>
+          <a:fillRef idx="1">
+            <a:schemeClr val="accent1"/>
+          </a:fillRef>
+          <a:effectRef idx="0">
+            <a:schemeClr val="accent1"/>
+          </a:effectRef>
+          <a:fontRef idx="minor">
+            <a:schemeClr val="lt1"/>
+          </a:fontRef>
+        </p:style>
+        <p:txBody>
+          <a:bodyPr rtlCol="0" anchor="ctr"/>
+          <a:lstStyle/>
+          <a:p>
+            <a:pPr algn="ctr"/>
+            <a:r>
+              <a:rPr kumimoji="1" lang="en-US" altLang="ko-Kore-KR" sz="800" dirty="0">
+                <a:solidFill>
+                  <a:schemeClr val="tx1"/>
+                </a:solidFill>
+              </a:rPr>
+              <a:t>DAM</a:t>
+            </a:r>
+            <a:endParaRPr kumimoji="1" lang="ko-Kore-KR" altLang="en-US" sz="800" dirty="0">
+              <a:solidFill>
+                <a:schemeClr val="tx1"/>
+              </a:solidFill>
+            </a:endParaRPr>
+          </a:p>
+        </p:txBody>
+      </p:sp>
+      <p:sp>
+        <p:nvSpPr>
+          <p:cNvPr id="33" name="문서 32">
+            <a:extLst>
+              <a:ext uri="{FF2B5EF4-FFF2-40B4-BE49-F238E27FC236}">
+                <a16:creationId xmlns:a16="http://schemas.microsoft.com/office/drawing/2014/main" id="{D692B0BD-CF62-384F-BCA4-3067DE6FA7D5}"/>
+              </a:ext>
+            </a:extLst>
+          </p:cNvPr>
+          <p:cNvSpPr/>
+          <p:nvPr/>
+        </p:nvSpPr>
+        <p:spPr>
+          <a:xfrm>
+            <a:off x="734933" y="3582115"/>
+            <a:ext cx="501931" cy="207496"/>
+          </a:xfrm>
+          <a:prstGeom prst="flowChartDocument">
+            <a:avLst/>
+          </a:prstGeom>
+          <a:noFill/>
+          <a:ln w="10160">
+            <a:solidFill>
+              <a:schemeClr val="tx1"/>
+            </a:solidFill>
+          </a:ln>
+        </p:spPr>
+        <p:style>
+          <a:lnRef idx="2">
+            <a:schemeClr val="accent1">
+              <a:shade val="50000"/>
+            </a:schemeClr>
+          </a:lnRef>
+          <a:fillRef idx="1">
+            <a:schemeClr val="accent1"/>
+          </a:fillRef>
+          <a:effectRef idx="0">
+            <a:schemeClr val="accent1"/>
+          </a:effectRef>
+          <a:fontRef idx="minor">
+            <a:schemeClr val="lt1"/>
+          </a:fontRef>
+        </p:style>
+        <p:txBody>
+          <a:bodyPr rtlCol="0" anchor="ctr"/>
+          <a:lstStyle/>
+          <a:p>
+            <a:pPr algn="ctr"/>
+            <a:r>
+              <a:rPr kumimoji="1" lang="en-US" altLang="ko-Kore-KR" sz="800" dirty="0">
+                <a:solidFill>
+                  <a:schemeClr val="tx1"/>
+                </a:solidFill>
+              </a:rPr>
+              <a:t>DAM</a:t>
+            </a:r>
+            <a:endParaRPr kumimoji="1" lang="ko-Kore-KR" altLang="en-US" sz="800" dirty="0">
+              <a:solidFill>
+                <a:schemeClr val="tx1"/>
+              </a:solidFill>
+            </a:endParaRPr>
+          </a:p>
+        </p:txBody>
+      </p:sp>
+      <p:sp>
+        <p:nvSpPr>
+          <p:cNvPr id="42" name="모서리가 둥근 직사각형 41">
+            <a:extLst>
+              <a:ext uri="{FF2B5EF4-FFF2-40B4-BE49-F238E27FC236}">
+                <a16:creationId xmlns:a16="http://schemas.microsoft.com/office/drawing/2014/main" id="{141489EE-CC47-AD44-BFF2-533959525946}"/>
+              </a:ext>
+            </a:extLst>
+          </p:cNvPr>
+          <p:cNvSpPr/>
+          <p:nvPr/>
+        </p:nvSpPr>
+        <p:spPr>
+          <a:xfrm>
+            <a:off x="497978" y="4467548"/>
+            <a:ext cx="975842" cy="207496"/>
+          </a:xfrm>
+          <a:prstGeom prst="roundRect">
+            <a:avLst>
+              <a:gd name="adj" fmla="val 5929"/>
+            </a:avLst>
+          </a:prstGeom>
+          <a:ln w="10160">
+            <a:solidFill>
+              <a:schemeClr val="tx1">
+                <a:lumMod val="50000"/>
+                <a:lumOff val="50000"/>
+              </a:schemeClr>
+            </a:solidFill>
+          </a:ln>
+          <a:effectLst/>
+        </p:spPr>
+        <p:style>
+          <a:lnRef idx="2">
+            <a:schemeClr val="accent6"/>
+          </a:lnRef>
+          <a:fillRef idx="1">
+            <a:schemeClr val="lt1"/>
+          </a:fillRef>
+          <a:effectRef idx="0">
+            <a:schemeClr val="accent6"/>
+          </a:effectRef>
+          <a:fontRef idx="minor">
+            <a:schemeClr val="dk1"/>
+          </a:fontRef>
+        </p:style>
+        <p:txBody>
+          <a:bodyPr rtlCol="0" anchor="ctr"/>
+          <a:lstStyle/>
+          <a:p>
+            <a:pPr algn="ctr"/>
+            <a:r>
+              <a:rPr kumimoji="1" lang="en-US" altLang="ko-Kore-KR" sz="800" dirty="0"/>
+              <a:t>Data Sources</a:t>
+            </a:r>
+            <a:endParaRPr kumimoji="1" lang="ko-Kore-KR" altLang="en-US" sz="800" dirty="0"/>
+          </a:p>
+        </p:txBody>
+      </p:sp>
+      <p:cxnSp>
+        <p:nvCxnSpPr>
+          <p:cNvPr id="53" name="직선 화살표 연결선 52">
+            <a:extLst>
+              <a:ext uri="{FF2B5EF4-FFF2-40B4-BE49-F238E27FC236}">
+                <a16:creationId xmlns:a16="http://schemas.microsoft.com/office/drawing/2014/main" id="{8076EB34-51F4-6041-9C71-4B6E25B6CE0B}"/>
+              </a:ext>
+            </a:extLst>
+          </p:cNvPr>
+          <p:cNvCxnSpPr>
+            <a:cxnSpLocks/>
+            <a:stCxn id="42" idx="0"/>
+            <a:endCxn id="32" idx="2"/>
+          </p:cNvCxnSpPr>
+          <p:nvPr/>
+        </p:nvCxnSpPr>
+        <p:spPr>
+          <a:xfrm flipV="1">
+            <a:off x="985899" y="3775893"/>
+            <a:ext cx="550113" cy="691655"/>
+          </a:xfrm>
+          <a:prstGeom prst="straightConnector1">
+            <a:avLst/>
+          </a:prstGeom>
+          <a:ln w="5080">
+            <a:solidFill>
+              <a:schemeClr val="tx1"/>
+            </a:solidFill>
+            <a:tailEnd type="triangle"/>
+          </a:ln>
+        </p:spPr>
+        <p:style>
+          <a:lnRef idx="1">
+            <a:schemeClr val="accent1"/>
+          </a:lnRef>
+          <a:fillRef idx="0">
+            <a:schemeClr val="accent1"/>
+          </a:fillRef>
+          <a:effectRef idx="0">
+            <a:schemeClr val="accent1"/>
+          </a:effectRef>
+          <a:fontRef idx="minor">
+            <a:schemeClr val="tx1"/>
+          </a:fontRef>
+        </p:style>
+      </p:cxnSp>
+      <p:cxnSp>
+        <p:nvCxnSpPr>
+          <p:cNvPr id="57" name="직선 화살표 연결선 56">
+            <a:extLst>
+              <a:ext uri="{FF2B5EF4-FFF2-40B4-BE49-F238E27FC236}">
+                <a16:creationId xmlns:a16="http://schemas.microsoft.com/office/drawing/2014/main" id="{7E2063C4-3AF8-EF45-86A0-873976ECA933}"/>
+              </a:ext>
+            </a:extLst>
+          </p:cNvPr>
+          <p:cNvCxnSpPr>
+            <a:cxnSpLocks/>
+            <a:stCxn id="42" idx="0"/>
+          </p:cNvCxnSpPr>
+          <p:nvPr/>
+        </p:nvCxnSpPr>
+        <p:spPr>
+          <a:xfrm flipH="1" flipV="1">
+            <a:off x="435787" y="3781910"/>
+            <a:ext cx="550112" cy="685638"/>
+          </a:xfrm>
+          <a:prstGeom prst="straightConnector1">
+            <a:avLst/>
+          </a:prstGeom>
+          <a:ln w="5080">
+            <a:solidFill>
+              <a:schemeClr val="tx1"/>
+            </a:solidFill>
+            <a:tailEnd type="triangle"/>
+          </a:ln>
+        </p:spPr>
+        <p:style>
+          <a:lnRef idx="1">
+            <a:schemeClr val="accent1"/>
+          </a:lnRef>
+          <a:fillRef idx="0">
+            <a:schemeClr val="accent1"/>
+          </a:fillRef>
+          <a:effectRef idx="0">
+            <a:schemeClr val="accent1"/>
+          </a:effectRef>
+          <a:fontRef idx="minor">
+            <a:schemeClr val="tx1"/>
+          </a:fontRef>
+        </p:style>
+      </p:cxnSp>
+      <p:sp>
+        <p:nvSpPr>
+          <p:cNvPr id="17" name="TextBox 16">
+            <a:extLst>
+              <a:ext uri="{FF2B5EF4-FFF2-40B4-BE49-F238E27FC236}">
+                <a16:creationId xmlns:a16="http://schemas.microsoft.com/office/drawing/2014/main" id="{3D4CF7BB-21C7-BC43-9EAE-DB7DC920E8EF}"/>
+              </a:ext>
+            </a:extLst>
+          </p:cNvPr>
+          <p:cNvSpPr txBox="1"/>
+          <p:nvPr/>
+        </p:nvSpPr>
+        <p:spPr>
+          <a:xfrm>
+            <a:off x="5763364" y="4970168"/>
+            <a:ext cx="2517036" cy="338554"/>
+          </a:xfrm>
+          <a:prstGeom prst="rect">
+            <a:avLst/>
+          </a:prstGeom>
+          <a:noFill/>
+        </p:spPr>
+        <p:txBody>
+          <a:bodyPr wrap="none" rtlCol="0">
+            <a:spAutoFit/>
+          </a:bodyPr>
+          <a:lstStyle/>
+          <a:p>
+            <a:r>
+              <a:rPr kumimoji="1" lang="en-US" altLang="ko-Kore-KR" sz="800" dirty="0"/>
+              <a:t>Crew : Kim-</a:t>
+            </a:r>
+            <a:r>
+              <a:rPr kumimoji="1" lang="en-US" altLang="ko-Kore-KR" sz="800" dirty="0" err="1"/>
+              <a:t>DongGyu</a:t>
+            </a:r>
+            <a:r>
+              <a:rPr kumimoji="1" lang="en-US" altLang="ko-Kore-KR" sz="800" dirty="0"/>
+              <a:t> / Park-</a:t>
+            </a:r>
+            <a:r>
+              <a:rPr kumimoji="1" lang="en-US" altLang="ko-Kore-KR" sz="800" dirty="0" err="1"/>
+              <a:t>HyeonJun</a:t>
+            </a:r>
+            <a:r>
+              <a:rPr kumimoji="1" lang="en-US" altLang="ko-Kore-KR" sz="800" dirty="0"/>
+              <a:t> / Bae-</a:t>
+            </a:r>
+            <a:r>
+              <a:rPr kumimoji="1" lang="en-US" altLang="ko-Kore-KR" sz="800" dirty="0" err="1"/>
+              <a:t>SeongHoon</a:t>
+            </a:r>
+            <a:endParaRPr kumimoji="1" lang="en-US" altLang="ko-Kore-KR" sz="800" dirty="0"/>
+          </a:p>
+          <a:p>
+            <a:r>
+              <a:rPr kumimoji="1" lang="en-US" altLang="ko-Kore-KR" sz="800" dirty="0" err="1"/>
+              <a:t>Github</a:t>
+            </a:r>
+            <a:r>
+              <a:rPr kumimoji="1" lang="en-US" altLang="ko-Kore-KR" sz="800" dirty="0"/>
+              <a:t> : https://</a:t>
+            </a:r>
+            <a:r>
+              <a:rPr kumimoji="1" lang="en-US" altLang="ko-Kore-KR" sz="800" dirty="0" err="1"/>
+              <a:t>github.com</a:t>
+            </a:r>
+            <a:r>
+              <a:rPr kumimoji="1" lang="en-US" altLang="ko-Kore-KR" sz="800" dirty="0"/>
+              <a:t>/</a:t>
+            </a:r>
+            <a:r>
+              <a:rPr kumimoji="1" lang="en-US" altLang="ko-Kore-KR" sz="800" dirty="0" err="1"/>
+              <a:t>CapstoneTeam</a:t>
+            </a:r>
+            <a:r>
+              <a:rPr kumimoji="1" lang="en-US" altLang="ko-Kore-KR" sz="800" dirty="0"/>
+              <a:t>-CESCO</a:t>
+            </a:r>
+            <a:endParaRPr kumimoji="1" lang="ko-Kore-KR" altLang="en-US" sz="800" dirty="0"/>
+          </a:p>
+        </p:txBody>
+      </p:sp>
+      <p:sp>
+        <p:nvSpPr>
+          <p:cNvPr id="191" name="모서리가 둥근 직사각형 15">
+            <a:extLst>
+              <a:ext uri="{FF2B5EF4-FFF2-40B4-BE49-F238E27FC236}">
+                <a16:creationId xmlns:a16="http://schemas.microsoft.com/office/drawing/2014/main" id="{C4A02B9C-8775-4BCF-B465-55108E647927}"/>
+              </a:ext>
+            </a:extLst>
+          </p:cNvPr>
+          <p:cNvSpPr/>
+          <p:nvPr/>
+        </p:nvSpPr>
+        <p:spPr>
+          <a:xfrm>
+            <a:off x="2868715" y="763148"/>
+            <a:ext cx="1354618" cy="661731"/>
+          </a:xfrm>
+          <a:prstGeom prst="roundRect">
+            <a:avLst>
+              <a:gd name="adj" fmla="val 5929"/>
+            </a:avLst>
+          </a:prstGeom>
+          <a:ln w="10160">
+            <a:solidFill>
+              <a:schemeClr val="tx1">
+                <a:lumMod val="50000"/>
+                <a:lumOff val="50000"/>
+              </a:schemeClr>
+            </a:solidFill>
+          </a:ln>
+          <a:effectLst/>
+        </p:spPr>
+        <p:style>
+          <a:lnRef idx="2">
+            <a:schemeClr val="accent6"/>
+          </a:lnRef>
+          <a:fillRef idx="1">
+            <a:schemeClr val="lt1"/>
+          </a:fillRef>
+          <a:effectRef idx="0">
+            <a:schemeClr val="accent6"/>
+          </a:effectRef>
+          <a:fontRef idx="minor">
+            <a:schemeClr val="dk1"/>
+          </a:fontRef>
+        </p:style>
+        <p:txBody>
+          <a:bodyPr rtlCol="0" anchor="ctr"/>
+          <a:lstStyle/>
+          <a:p>
+            <a:pPr algn="ctr"/>
+            <a:endParaRPr kumimoji="1" lang="ko-Kore-KR" altLang="en-US" dirty="0"/>
+          </a:p>
+        </p:txBody>
+      </p:sp>
+      <p:sp>
+        <p:nvSpPr>
+          <p:cNvPr id="192" name="TextBox 191">
+            <a:extLst>
+              <a:ext uri="{FF2B5EF4-FFF2-40B4-BE49-F238E27FC236}">
+                <a16:creationId xmlns:a16="http://schemas.microsoft.com/office/drawing/2014/main" id="{934DD510-CAB6-4828-A209-78DE299B77A8}"/>
+              </a:ext>
+            </a:extLst>
+          </p:cNvPr>
+          <p:cNvSpPr txBox="1"/>
+          <p:nvPr/>
+        </p:nvSpPr>
+        <p:spPr>
+          <a:xfrm>
+            <a:off x="2949184" y="640161"/>
+            <a:ext cx="752566" cy="230832"/>
+          </a:xfrm>
+          <a:prstGeom prst="rect">
+            <a:avLst/>
+          </a:prstGeom>
+          <a:solidFill>
+            <a:schemeClr val="lt1"/>
+          </a:solidFill>
+        </p:spPr>
+        <p:txBody>
+          <a:bodyPr wrap="square" lIns="36000" rIns="36000" rtlCol="0">
+            <a:spAutoFit/>
+          </a:bodyPr>
+          <a:lstStyle/>
+          <a:p>
+            <a:r>
+              <a:rPr kumimoji="1" lang="en-US" altLang="ko-Kore-KR" sz="900" dirty="0">
+                <a:latin typeface="Arial Unicode MS" panose="020B0604020202020204" pitchFamily="34" charset="-128"/>
+                <a:ea typeface="Arial Unicode MS" panose="020B0604020202020204" pitchFamily="34" charset="-128"/>
+                <a:cs typeface="Arial Unicode MS" panose="020B0604020202020204" pitchFamily="34" charset="-128"/>
+              </a:rPr>
+              <a:t>Kafka Server</a:t>
+            </a:r>
+            <a:endParaRPr kumimoji="1" lang="ko-Kore-KR" altLang="en-US" sz="900" dirty="0">
+              <a:latin typeface="Arial Unicode MS" panose="020B0604020202020204" pitchFamily="34" charset="-128"/>
+              <a:ea typeface="Arial Unicode MS" panose="020B0604020202020204" pitchFamily="34" charset="-128"/>
+              <a:cs typeface="Arial Unicode MS" panose="020B0604020202020204" pitchFamily="34" charset="-128"/>
+            </a:endParaRPr>
+          </a:p>
+        </p:txBody>
+      </p:sp>
+      <p:sp>
+        <p:nvSpPr>
+          <p:cNvPr id="193" name="모서리가 둥근 직사각형 15">
+            <a:extLst>
+              <a:ext uri="{FF2B5EF4-FFF2-40B4-BE49-F238E27FC236}">
+                <a16:creationId xmlns:a16="http://schemas.microsoft.com/office/drawing/2014/main" id="{3C034927-6B51-45F6-B65D-A8CC527605E1}"/>
+              </a:ext>
+            </a:extLst>
+          </p:cNvPr>
+          <p:cNvSpPr/>
+          <p:nvPr/>
+        </p:nvSpPr>
+        <p:spPr>
+          <a:xfrm>
+            <a:off x="150810" y="759847"/>
+            <a:ext cx="1677509" cy="1800063"/>
+          </a:xfrm>
+          <a:prstGeom prst="roundRect">
+            <a:avLst>
+              <a:gd name="adj" fmla="val 5929"/>
+            </a:avLst>
+          </a:prstGeom>
+          <a:ln w="10160">
+            <a:solidFill>
+              <a:schemeClr val="tx1">
+                <a:lumMod val="50000"/>
+                <a:lumOff val="50000"/>
+              </a:schemeClr>
+            </a:solidFill>
+          </a:ln>
+          <a:effectLst/>
+        </p:spPr>
+        <p:style>
+          <a:lnRef idx="2">
+            <a:schemeClr val="accent6"/>
+          </a:lnRef>
+          <a:fillRef idx="1">
+            <a:schemeClr val="lt1"/>
+          </a:fillRef>
+          <a:effectRef idx="0">
+            <a:schemeClr val="accent6"/>
+          </a:effectRef>
+          <a:fontRef idx="minor">
+            <a:schemeClr val="dk1"/>
+          </a:fontRef>
+        </p:style>
+        <p:txBody>
+          <a:bodyPr rtlCol="0" anchor="ctr"/>
+          <a:lstStyle/>
+          <a:p>
+            <a:pPr algn="ctr"/>
+            <a:endParaRPr kumimoji="1" lang="ko-Kore-KR" altLang="en-US" dirty="0"/>
+          </a:p>
+        </p:txBody>
+      </p:sp>
+      <p:sp>
+        <p:nvSpPr>
+          <p:cNvPr id="194" name="TextBox 193">
+            <a:extLst>
+              <a:ext uri="{FF2B5EF4-FFF2-40B4-BE49-F238E27FC236}">
+                <a16:creationId xmlns:a16="http://schemas.microsoft.com/office/drawing/2014/main" id="{4F5F0169-B822-4CFD-AE9B-7F9314820EF9}"/>
+              </a:ext>
+            </a:extLst>
+          </p:cNvPr>
+          <p:cNvSpPr txBox="1"/>
+          <p:nvPr/>
+        </p:nvSpPr>
+        <p:spPr>
+          <a:xfrm>
+            <a:off x="221870" y="636859"/>
+            <a:ext cx="933181" cy="230832"/>
+          </a:xfrm>
+          <a:prstGeom prst="rect">
+            <a:avLst/>
+          </a:prstGeom>
+          <a:solidFill>
+            <a:schemeClr val="lt1"/>
+          </a:solidFill>
+        </p:spPr>
+        <p:txBody>
+          <a:bodyPr wrap="square" lIns="36000" rIns="36000" rtlCol="0">
+            <a:spAutoFit/>
+          </a:bodyPr>
+          <a:lstStyle/>
+          <a:p>
+            <a:r>
+              <a:rPr kumimoji="1" lang="en-US" altLang="ko-Kore-KR" sz="900" dirty="0">
+                <a:latin typeface="Arial Unicode MS" panose="020B0604020202020204" pitchFamily="34" charset="-128"/>
+                <a:ea typeface="Arial Unicode MS" panose="020B0604020202020204" pitchFamily="34" charset="-128"/>
+                <a:cs typeface="Arial Unicode MS" panose="020B0604020202020204" pitchFamily="34" charset="-128"/>
+              </a:rPr>
+              <a:t>Producer Server</a:t>
+            </a:r>
+            <a:endParaRPr kumimoji="1" lang="ko-Kore-KR" altLang="en-US" sz="900" dirty="0">
+              <a:latin typeface="Arial Unicode MS" panose="020B0604020202020204" pitchFamily="34" charset="-128"/>
+              <a:ea typeface="Arial Unicode MS" panose="020B0604020202020204" pitchFamily="34" charset="-128"/>
+              <a:cs typeface="Arial Unicode MS" panose="020B0604020202020204" pitchFamily="34" charset="-128"/>
+            </a:endParaRPr>
+          </a:p>
+        </p:txBody>
+      </p:sp>
+      <p:sp>
+        <p:nvSpPr>
+          <p:cNvPr id="205" name="모서리가 둥근 직사각형 15">
+            <a:extLst>
+              <a:ext uri="{FF2B5EF4-FFF2-40B4-BE49-F238E27FC236}">
+                <a16:creationId xmlns:a16="http://schemas.microsoft.com/office/drawing/2014/main" id="{9578BB07-FC02-4379-B56C-B3662791FD20}"/>
+              </a:ext>
+            </a:extLst>
+          </p:cNvPr>
+          <p:cNvSpPr/>
+          <p:nvPr/>
+        </p:nvSpPr>
+        <p:spPr>
+          <a:xfrm>
+            <a:off x="2868715" y="2053063"/>
+            <a:ext cx="1373750" cy="684461"/>
+          </a:xfrm>
+          <a:prstGeom prst="roundRect">
+            <a:avLst>
+              <a:gd name="adj" fmla="val 5929"/>
+            </a:avLst>
+          </a:prstGeom>
+          <a:ln w="10160">
+            <a:solidFill>
+              <a:schemeClr val="tx1">
+                <a:lumMod val="50000"/>
+                <a:lumOff val="50000"/>
+              </a:schemeClr>
+            </a:solidFill>
+          </a:ln>
+          <a:effectLst/>
+        </p:spPr>
+        <p:style>
+          <a:lnRef idx="2">
+            <a:schemeClr val="accent6"/>
+          </a:lnRef>
+          <a:fillRef idx="1">
+            <a:schemeClr val="lt1"/>
+          </a:fillRef>
+          <a:effectRef idx="0">
+            <a:schemeClr val="accent6"/>
+          </a:effectRef>
+          <a:fontRef idx="minor">
+            <a:schemeClr val="dk1"/>
+          </a:fontRef>
+        </p:style>
+        <p:txBody>
+          <a:bodyPr rtlCol="0" anchor="ctr"/>
+          <a:lstStyle/>
+          <a:p>
+            <a:pPr algn="ctr"/>
+            <a:endParaRPr kumimoji="1" lang="ko-Kore-KR" altLang="en-US" dirty="0"/>
+          </a:p>
+        </p:txBody>
+      </p:sp>
+      <p:sp>
+        <p:nvSpPr>
+          <p:cNvPr id="206" name="TextBox 205">
+            <a:extLst>
+              <a:ext uri="{FF2B5EF4-FFF2-40B4-BE49-F238E27FC236}">
+                <a16:creationId xmlns:a16="http://schemas.microsoft.com/office/drawing/2014/main" id="{2D9A95F7-9F46-428E-A9B3-74E6C3E00369}"/>
+              </a:ext>
+            </a:extLst>
+          </p:cNvPr>
+          <p:cNvSpPr txBox="1"/>
+          <p:nvPr/>
+        </p:nvSpPr>
+        <p:spPr>
+          <a:xfrm>
+            <a:off x="2920578" y="1930076"/>
+            <a:ext cx="1023489" cy="230832"/>
+          </a:xfrm>
+          <a:prstGeom prst="rect">
+            <a:avLst/>
+          </a:prstGeom>
+          <a:solidFill>
+            <a:schemeClr val="lt1"/>
+          </a:solidFill>
+        </p:spPr>
+        <p:txBody>
+          <a:bodyPr wrap="square" lIns="36000" rIns="36000" rtlCol="0">
+            <a:spAutoFit/>
+          </a:bodyPr>
+          <a:lstStyle/>
+          <a:p>
+            <a:r>
+              <a:rPr kumimoji="1" lang="en-US" altLang="ko-Kore-KR" sz="900" dirty="0">
+                <a:latin typeface="Arial Unicode MS" panose="020B0604020202020204" pitchFamily="34" charset="-128"/>
+                <a:ea typeface="Arial Unicode MS" panose="020B0604020202020204" pitchFamily="34" charset="-128"/>
+                <a:cs typeface="Arial Unicode MS" panose="020B0604020202020204" pitchFamily="34" charset="-128"/>
+              </a:rPr>
+              <a:t>Zookeeper Server</a:t>
+            </a:r>
+            <a:endParaRPr kumimoji="1" lang="ko-Kore-KR" altLang="en-US" sz="900" dirty="0">
+              <a:latin typeface="Arial Unicode MS" panose="020B0604020202020204" pitchFamily="34" charset="-128"/>
+              <a:ea typeface="Arial Unicode MS" panose="020B0604020202020204" pitchFamily="34" charset="-128"/>
+              <a:cs typeface="Arial Unicode MS" panose="020B0604020202020204" pitchFamily="34" charset="-128"/>
+            </a:endParaRPr>
+          </a:p>
+        </p:txBody>
+      </p:sp>
+      <p:sp>
+        <p:nvSpPr>
+          <p:cNvPr id="207" name="모서리가 둥근 직사각형 15">
+            <a:extLst>
+              <a:ext uri="{FF2B5EF4-FFF2-40B4-BE49-F238E27FC236}">
+                <a16:creationId xmlns:a16="http://schemas.microsoft.com/office/drawing/2014/main" id="{1B46A94A-864F-4E2B-9FF9-0F8BC41900EC}"/>
+              </a:ext>
+            </a:extLst>
+          </p:cNvPr>
+          <p:cNvSpPr/>
+          <p:nvPr/>
+        </p:nvSpPr>
+        <p:spPr>
+          <a:xfrm>
+            <a:off x="4943398" y="759847"/>
+            <a:ext cx="1354618" cy="1368451"/>
+          </a:xfrm>
+          <a:prstGeom prst="roundRect">
+            <a:avLst>
+              <a:gd name="adj" fmla="val 5929"/>
+            </a:avLst>
+          </a:prstGeom>
+          <a:ln w="10160">
+            <a:solidFill>
+              <a:schemeClr val="tx1">
+                <a:lumMod val="50000"/>
+                <a:lumOff val="50000"/>
+              </a:schemeClr>
+            </a:solidFill>
+          </a:ln>
+          <a:effectLst/>
+        </p:spPr>
+        <p:style>
+          <a:lnRef idx="2">
+            <a:schemeClr val="accent6"/>
+          </a:lnRef>
+          <a:fillRef idx="1">
+            <a:schemeClr val="lt1"/>
+          </a:fillRef>
+          <a:effectRef idx="0">
+            <a:schemeClr val="accent6"/>
+          </a:effectRef>
+          <a:fontRef idx="minor">
+            <a:schemeClr val="dk1"/>
+          </a:fontRef>
+        </p:style>
+        <p:txBody>
+          <a:bodyPr rtlCol="0" anchor="ctr"/>
+          <a:lstStyle/>
+          <a:p>
+            <a:pPr algn="ctr"/>
+            <a:endParaRPr kumimoji="1" lang="ko-Kore-KR" altLang="en-US" dirty="0"/>
+          </a:p>
+        </p:txBody>
+      </p:sp>
+      <p:sp>
+        <p:nvSpPr>
+          <p:cNvPr id="208" name="TextBox 207">
+            <a:extLst>
+              <a:ext uri="{FF2B5EF4-FFF2-40B4-BE49-F238E27FC236}">
+                <a16:creationId xmlns:a16="http://schemas.microsoft.com/office/drawing/2014/main" id="{D6B74974-2C93-4FD4-9D35-902A7499BB88}"/>
+              </a:ext>
+            </a:extLst>
+          </p:cNvPr>
+          <p:cNvSpPr txBox="1"/>
+          <p:nvPr/>
+        </p:nvSpPr>
+        <p:spPr>
+          <a:xfrm>
+            <a:off x="5014458" y="636861"/>
+            <a:ext cx="993387" cy="230832"/>
+          </a:xfrm>
+          <a:prstGeom prst="rect">
+            <a:avLst/>
+          </a:prstGeom>
+          <a:solidFill>
+            <a:schemeClr val="lt1"/>
+          </a:solidFill>
+        </p:spPr>
+        <p:txBody>
+          <a:bodyPr wrap="square" lIns="36000" rIns="36000" rtlCol="0">
+            <a:spAutoFit/>
+          </a:bodyPr>
+          <a:lstStyle/>
+          <a:p>
+            <a:r>
+              <a:rPr kumimoji="1" lang="en-US" altLang="ko-Kore-KR" sz="900" dirty="0">
+                <a:latin typeface="Arial Unicode MS" panose="020B0604020202020204" pitchFamily="34" charset="-128"/>
+                <a:ea typeface="Arial Unicode MS" panose="020B0604020202020204" pitchFamily="34" charset="-128"/>
+                <a:cs typeface="Arial Unicode MS" panose="020B0604020202020204" pitchFamily="34" charset="-128"/>
+              </a:rPr>
+              <a:t>Consumer Server</a:t>
+            </a:r>
+            <a:endParaRPr kumimoji="1" lang="ko-Kore-KR" altLang="en-US" sz="900" dirty="0">
+              <a:latin typeface="Arial Unicode MS" panose="020B0604020202020204" pitchFamily="34" charset="-128"/>
+              <a:ea typeface="Arial Unicode MS" panose="020B0604020202020204" pitchFamily="34" charset="-128"/>
+              <a:cs typeface="Arial Unicode MS" panose="020B0604020202020204" pitchFamily="34" charset="-128"/>
+            </a:endParaRPr>
+          </a:p>
+        </p:txBody>
+      </p:sp>
+      <p:sp>
+        <p:nvSpPr>
+          <p:cNvPr id="13" name="TextBox 12">
+            <a:extLst>
+              <a:ext uri="{FF2B5EF4-FFF2-40B4-BE49-F238E27FC236}">
+                <a16:creationId xmlns:a16="http://schemas.microsoft.com/office/drawing/2014/main" id="{12C1D03D-6880-4A76-AD7B-3CD0B05891C9}"/>
+              </a:ext>
+            </a:extLst>
+          </p:cNvPr>
+          <p:cNvSpPr txBox="1"/>
+          <p:nvPr/>
+        </p:nvSpPr>
+        <p:spPr>
+          <a:xfrm>
+            <a:off x="3054993" y="972373"/>
+            <a:ext cx="993387" cy="261610"/>
+          </a:xfrm>
+          <a:prstGeom prst="rect">
+            <a:avLst/>
+          </a:prstGeom>
+          <a:noFill/>
+          <a:ln>
+            <a:solidFill>
+              <a:schemeClr val="tx1"/>
+            </a:solidFill>
+          </a:ln>
+        </p:spPr>
+        <p:txBody>
+          <a:bodyPr wrap="square" rtlCol="0" anchor="ctr">
+            <a:spAutoFit/>
+          </a:bodyPr>
+          <a:lstStyle/>
+          <a:p>
+            <a:pPr algn="ctr"/>
+            <a:r>
+              <a:rPr lang="en-US" altLang="ko-KR" sz="1100" dirty="0">
+                <a:ea typeface="Arial Unicode MS" panose="020B0604020202020204"/>
+              </a:rPr>
+              <a:t>Kafka Cluster</a:t>
+            </a:r>
+            <a:endParaRPr lang="ko-KR" altLang="en-US" sz="1100" dirty="0"/>
+          </a:p>
+        </p:txBody>
+      </p:sp>
+      <p:sp>
+        <p:nvSpPr>
+          <p:cNvPr id="213" name="TextBox 212">
+            <a:extLst>
+              <a:ext uri="{FF2B5EF4-FFF2-40B4-BE49-F238E27FC236}">
+                <a16:creationId xmlns:a16="http://schemas.microsoft.com/office/drawing/2014/main" id="{4457A473-73E7-4ECF-9FF3-DE1FD4BFB854}"/>
+              </a:ext>
+            </a:extLst>
+          </p:cNvPr>
+          <p:cNvSpPr txBox="1"/>
+          <p:nvPr/>
+        </p:nvSpPr>
+        <p:spPr>
+          <a:xfrm>
+            <a:off x="437139" y="1004278"/>
+            <a:ext cx="1122130" cy="1264039"/>
+          </a:xfrm>
+          <a:prstGeom prst="rect">
+            <a:avLst/>
+          </a:prstGeom>
+          <a:noFill/>
+          <a:ln>
+            <a:solidFill>
+              <a:schemeClr val="tx1"/>
+            </a:solidFill>
+          </a:ln>
+        </p:spPr>
+        <p:txBody>
+          <a:bodyPr wrap="square" rtlCol="0" anchor="t" anchorCtr="1">
+            <a:noAutofit/>
+          </a:bodyPr>
+          <a:lstStyle/>
+          <a:p>
+            <a:pPr algn="ctr"/>
+            <a:r>
+              <a:rPr lang="en-US" altLang="ko-KR" sz="1100" dirty="0" err="1">
+                <a:ea typeface="Arial Unicode MS" panose="020B0604020202020204"/>
+              </a:rPr>
+              <a:t>SpringBoot</a:t>
+            </a:r>
+            <a:endParaRPr lang="ko-KR" altLang="en-US" sz="1100" dirty="0"/>
+          </a:p>
+        </p:txBody>
+      </p:sp>
+      <p:sp>
+        <p:nvSpPr>
+          <p:cNvPr id="212" name="TextBox 211">
+            <a:extLst>
+              <a:ext uri="{FF2B5EF4-FFF2-40B4-BE49-F238E27FC236}">
+                <a16:creationId xmlns:a16="http://schemas.microsoft.com/office/drawing/2014/main" id="{3C907035-F3A8-486F-8525-4AA3444042FB}"/>
+              </a:ext>
+            </a:extLst>
+          </p:cNvPr>
+          <p:cNvSpPr txBox="1"/>
+          <p:nvPr/>
+        </p:nvSpPr>
+        <p:spPr>
+          <a:xfrm>
+            <a:off x="617139" y="1882630"/>
+            <a:ext cx="752566" cy="261610"/>
+          </a:xfrm>
+          <a:prstGeom prst="rect">
+            <a:avLst/>
+          </a:prstGeom>
+          <a:noFill/>
+          <a:ln>
+            <a:solidFill>
+              <a:schemeClr val="tx1"/>
+            </a:solidFill>
+          </a:ln>
+        </p:spPr>
+        <p:txBody>
+          <a:bodyPr wrap="square" rtlCol="0" anchor="ctr">
+            <a:spAutoFit/>
+          </a:bodyPr>
+          <a:lstStyle/>
+          <a:p>
+            <a:pPr algn="ctr"/>
+            <a:r>
+              <a:rPr lang="en-US" altLang="ko-KR" sz="1100" dirty="0" err="1">
+                <a:ea typeface="Arial Unicode MS" panose="020B0604020202020204"/>
+              </a:rPr>
+              <a:t>Netty</a:t>
+            </a:r>
+            <a:endParaRPr lang="ko-KR" altLang="en-US" sz="1100" dirty="0"/>
+          </a:p>
+        </p:txBody>
+      </p:sp>
+      <p:sp>
+        <p:nvSpPr>
+          <p:cNvPr id="214" name="TextBox 213">
+            <a:extLst>
+              <a:ext uri="{FF2B5EF4-FFF2-40B4-BE49-F238E27FC236}">
+                <a16:creationId xmlns:a16="http://schemas.microsoft.com/office/drawing/2014/main" id="{607DBB4F-3551-4BB9-909B-F83A130AB5F8}"/>
+              </a:ext>
+            </a:extLst>
+          </p:cNvPr>
+          <p:cNvSpPr txBox="1"/>
+          <p:nvPr/>
+        </p:nvSpPr>
+        <p:spPr>
+          <a:xfrm>
+            <a:off x="3026242" y="2263823"/>
+            <a:ext cx="993387" cy="261610"/>
+          </a:xfrm>
+          <a:prstGeom prst="rect">
+            <a:avLst/>
+          </a:prstGeom>
+          <a:noFill/>
+          <a:ln>
+            <a:solidFill>
+              <a:schemeClr val="tx1"/>
+            </a:solidFill>
+          </a:ln>
+        </p:spPr>
+        <p:txBody>
+          <a:bodyPr wrap="square" rtlCol="0" anchor="ctr">
+            <a:spAutoFit/>
+          </a:bodyPr>
+          <a:lstStyle/>
+          <a:p>
+            <a:pPr algn="ctr"/>
+            <a:r>
+              <a:rPr lang="en-US" altLang="ko-KR" sz="1100" dirty="0">
+                <a:ea typeface="Arial Unicode MS" panose="020B0604020202020204"/>
+              </a:rPr>
+              <a:t>Zookeeper</a:t>
+            </a:r>
+            <a:endParaRPr lang="ko-KR" altLang="en-US" sz="1100" dirty="0"/>
+          </a:p>
+        </p:txBody>
+      </p:sp>
+      <p:sp>
+        <p:nvSpPr>
+          <p:cNvPr id="215" name="TextBox 214">
+            <a:extLst>
+              <a:ext uri="{FF2B5EF4-FFF2-40B4-BE49-F238E27FC236}">
+                <a16:creationId xmlns:a16="http://schemas.microsoft.com/office/drawing/2014/main" id="{E4817CF6-E582-488B-9190-7FCE519602CD}"/>
+              </a:ext>
+            </a:extLst>
+          </p:cNvPr>
+          <p:cNvSpPr txBox="1"/>
+          <p:nvPr/>
+        </p:nvSpPr>
+        <p:spPr>
+          <a:xfrm>
+            <a:off x="5124788" y="983784"/>
+            <a:ext cx="993387" cy="430887"/>
+          </a:xfrm>
+          <a:prstGeom prst="rect">
+            <a:avLst/>
+          </a:prstGeom>
+          <a:noFill/>
+          <a:ln>
+            <a:solidFill>
+              <a:schemeClr val="tx1"/>
+            </a:solidFill>
+          </a:ln>
+        </p:spPr>
+        <p:txBody>
+          <a:bodyPr wrap="square" rtlCol="0" anchor="ctr">
+            <a:spAutoFit/>
+          </a:bodyPr>
+          <a:lstStyle/>
+          <a:p>
+            <a:pPr algn="ctr"/>
+            <a:r>
+              <a:rPr lang="en-US" altLang="ko-KR" sz="1100" dirty="0">
+                <a:ea typeface="Arial Unicode MS" panose="020B0604020202020204"/>
+              </a:rPr>
+              <a:t>Kafka</a:t>
+            </a:r>
+          </a:p>
+          <a:p>
+            <a:pPr algn="ctr"/>
+            <a:r>
+              <a:rPr lang="en-US" altLang="ko-KR" sz="1100" dirty="0">
+                <a:ea typeface="Arial Unicode MS" panose="020B0604020202020204"/>
+              </a:rPr>
+              <a:t>Consumer</a:t>
+            </a:r>
+            <a:endParaRPr lang="ko-KR" altLang="en-US" sz="1100" dirty="0"/>
+          </a:p>
+        </p:txBody>
+      </p:sp>
+      <p:sp>
+        <p:nvSpPr>
+          <p:cNvPr id="211" name="TextBox 210">
+            <a:extLst>
+              <a:ext uri="{FF2B5EF4-FFF2-40B4-BE49-F238E27FC236}">
+                <a16:creationId xmlns:a16="http://schemas.microsoft.com/office/drawing/2014/main" id="{67FE0310-0D3E-4873-B370-1892BB33C941}"/>
+              </a:ext>
+            </a:extLst>
+          </p:cNvPr>
+          <p:cNvSpPr txBox="1"/>
+          <p:nvPr/>
+        </p:nvSpPr>
+        <p:spPr>
+          <a:xfrm>
+            <a:off x="617139" y="1368009"/>
+            <a:ext cx="752566" cy="430887"/>
+          </a:xfrm>
+          <a:prstGeom prst="rect">
+            <a:avLst/>
+          </a:prstGeom>
+          <a:noFill/>
+          <a:ln>
+            <a:solidFill>
+              <a:schemeClr val="tx1"/>
+            </a:solidFill>
+          </a:ln>
+        </p:spPr>
+        <p:txBody>
+          <a:bodyPr wrap="square" rtlCol="0" anchor="ctr">
+            <a:spAutoFit/>
+          </a:bodyPr>
+          <a:lstStyle/>
+          <a:p>
+            <a:pPr algn="ctr"/>
+            <a:r>
+              <a:rPr lang="en-US" altLang="ko-KR" sz="1100" dirty="0">
+                <a:ea typeface="Arial Unicode MS" panose="020B0604020202020204"/>
+              </a:rPr>
+              <a:t>Kafka Producer</a:t>
+            </a:r>
+            <a:endParaRPr lang="ko-KR" altLang="en-US" sz="1100" dirty="0"/>
+          </a:p>
+        </p:txBody>
+      </p:sp>
+      <p:sp>
+        <p:nvSpPr>
+          <p:cNvPr id="19" name="화살표: 위쪽 18">
+            <a:extLst>
+              <a:ext uri="{FF2B5EF4-FFF2-40B4-BE49-F238E27FC236}">
+                <a16:creationId xmlns:a16="http://schemas.microsoft.com/office/drawing/2014/main" id="{6EF9CDA4-0C4A-47C3-8C82-AF68BA0CC5FF}"/>
+              </a:ext>
+            </a:extLst>
+          </p:cNvPr>
+          <p:cNvSpPr/>
+          <p:nvPr/>
+        </p:nvSpPr>
+        <p:spPr>
+          <a:xfrm>
+            <a:off x="966704" y="2619693"/>
+            <a:ext cx="45719" cy="580747"/>
+          </a:xfrm>
+          <a:prstGeom prst="upArrow">
+            <a:avLst/>
+          </a:prstGeom>
+          <a:solidFill>
+            <a:schemeClr val="bg2"/>
+          </a:solidFill>
+          <a:ln>
+            <a:solidFill>
+              <a:schemeClr val="bg2">
+                <a:lumMod val="90000"/>
+              </a:schemeClr>
+            </a:solidFill>
+          </a:ln>
+        </p:spPr>
+        <p:style>
+          <a:lnRef idx="2">
+            <a:schemeClr val="accent1">
+              <a:shade val="50000"/>
+            </a:schemeClr>
+          </a:lnRef>
+          <a:fillRef idx="1">
+            <a:schemeClr val="accent1"/>
+          </a:fillRef>
+          <a:effectRef idx="0">
+            <a:schemeClr val="accent1"/>
+          </a:effectRef>
+          <a:fontRef idx="minor">
+            <a:schemeClr val="lt1"/>
+          </a:fontRef>
+        </p:style>
+        <p:txBody>
+          <a:bodyPr rtlCol="0" anchor="ctr"/>
+          <a:lstStyle/>
+          <a:p>
+            <a:pPr algn="ctr"/>
+            <a:endParaRPr lang="ko-KR" altLang="en-US"/>
+          </a:p>
+        </p:txBody>
+      </p:sp>
+      <p:sp>
+        <p:nvSpPr>
+          <p:cNvPr id="21" name="화살표: 오른쪽 20">
+            <a:extLst>
+              <a:ext uri="{FF2B5EF4-FFF2-40B4-BE49-F238E27FC236}">
+                <a16:creationId xmlns:a16="http://schemas.microsoft.com/office/drawing/2014/main" id="{C669F6ED-5365-4234-85F3-318CE31CDA4F}"/>
+              </a:ext>
+            </a:extLst>
+          </p:cNvPr>
+          <p:cNvSpPr/>
+          <p:nvPr/>
+        </p:nvSpPr>
+        <p:spPr>
+          <a:xfrm>
+            <a:off x="1903927" y="1094014"/>
+            <a:ext cx="913525" cy="45719"/>
+          </a:xfrm>
+          <a:prstGeom prst="rightArrow">
+            <a:avLst/>
+          </a:prstGeom>
+          <a:solidFill>
+            <a:schemeClr val="bg2"/>
+          </a:solidFill>
+          <a:ln>
+            <a:solidFill>
+              <a:schemeClr val="bg2">
+                <a:lumMod val="90000"/>
+              </a:schemeClr>
+            </a:solidFill>
+          </a:ln>
+        </p:spPr>
+        <p:style>
+          <a:lnRef idx="2">
+            <a:schemeClr val="accent1">
+              <a:shade val="50000"/>
+            </a:schemeClr>
+          </a:lnRef>
+          <a:fillRef idx="1">
+            <a:schemeClr val="accent1"/>
+          </a:fillRef>
+          <a:effectRef idx="0">
+            <a:schemeClr val="accent1"/>
+          </a:effectRef>
+          <a:fontRef idx="minor">
+            <a:schemeClr val="lt1"/>
+          </a:fontRef>
+        </p:style>
+        <p:txBody>
+          <a:bodyPr rtlCol="0" anchor="ctr"/>
+          <a:lstStyle/>
+          <a:p>
+            <a:pPr algn="ctr"/>
+            <a:endParaRPr lang="ko-KR" altLang="en-US"/>
+          </a:p>
+        </p:txBody>
+      </p:sp>
+      <p:sp>
+        <p:nvSpPr>
+          <p:cNvPr id="226" name="화살표: 오른쪽 225">
+            <a:extLst>
+              <a:ext uri="{FF2B5EF4-FFF2-40B4-BE49-F238E27FC236}">
+                <a16:creationId xmlns:a16="http://schemas.microsoft.com/office/drawing/2014/main" id="{68522CC2-230E-423E-A2A9-9BA920FC294E}"/>
+              </a:ext>
+            </a:extLst>
+          </p:cNvPr>
+          <p:cNvSpPr/>
+          <p:nvPr/>
+        </p:nvSpPr>
+        <p:spPr>
+          <a:xfrm>
+            <a:off x="4273079" y="1105549"/>
+            <a:ext cx="606952" cy="45719"/>
+          </a:xfrm>
+          <a:prstGeom prst="rightArrow">
+            <a:avLst/>
+          </a:prstGeom>
+          <a:solidFill>
+            <a:schemeClr val="bg2"/>
+          </a:solidFill>
+          <a:ln>
+            <a:solidFill>
+              <a:schemeClr val="bg2">
+                <a:lumMod val="90000"/>
+              </a:schemeClr>
+            </a:solidFill>
+          </a:ln>
+        </p:spPr>
+        <p:style>
+          <a:lnRef idx="2">
+            <a:schemeClr val="accent1">
+              <a:shade val="50000"/>
+            </a:schemeClr>
+          </a:lnRef>
+          <a:fillRef idx="1">
+            <a:schemeClr val="accent1"/>
+          </a:fillRef>
+          <a:effectRef idx="0">
+            <a:schemeClr val="accent1"/>
+          </a:effectRef>
+          <a:fontRef idx="minor">
+            <a:schemeClr val="lt1"/>
+          </a:fontRef>
+        </p:style>
+        <p:txBody>
+          <a:bodyPr rtlCol="0" anchor="ctr"/>
+          <a:lstStyle/>
+          <a:p>
+            <a:pPr algn="ctr"/>
+            <a:endParaRPr lang="ko-KR" altLang="en-US"/>
+          </a:p>
+        </p:txBody>
+      </p:sp>
+      <p:sp>
+        <p:nvSpPr>
+          <p:cNvPr id="23" name="화살표: 위쪽/아래쪽 22">
+            <a:extLst>
+              <a:ext uri="{FF2B5EF4-FFF2-40B4-BE49-F238E27FC236}">
+                <a16:creationId xmlns:a16="http://schemas.microsoft.com/office/drawing/2014/main" id="{5D63340B-DD1C-4DC7-8B32-31DD0E608595}"/>
+              </a:ext>
+            </a:extLst>
+          </p:cNvPr>
+          <p:cNvSpPr/>
+          <p:nvPr/>
+        </p:nvSpPr>
+        <p:spPr>
+          <a:xfrm>
+            <a:off x="3509845" y="1493500"/>
+            <a:ext cx="57784" cy="419330"/>
+          </a:xfrm>
+          <a:prstGeom prst="upDownArrow">
+            <a:avLst/>
+          </a:prstGeom>
+          <a:solidFill>
+            <a:schemeClr val="bg2"/>
+          </a:solidFill>
+          <a:ln>
+            <a:solidFill>
+              <a:schemeClr val="bg2">
+                <a:lumMod val="90000"/>
+              </a:schemeClr>
+            </a:solidFill>
+          </a:ln>
+        </p:spPr>
+        <p:style>
+          <a:lnRef idx="2">
+            <a:schemeClr val="accent1">
+              <a:shade val="50000"/>
+            </a:schemeClr>
+          </a:lnRef>
+          <a:fillRef idx="1">
+            <a:schemeClr val="accent1"/>
+          </a:fillRef>
+          <a:effectRef idx="0">
+            <a:schemeClr val="accent1"/>
+          </a:effectRef>
+          <a:fontRef idx="minor">
+            <a:schemeClr val="lt1"/>
+          </a:fontRef>
+        </p:style>
+        <p:txBody>
+          <a:bodyPr rtlCol="0" anchor="ctr"/>
+          <a:lstStyle/>
+          <a:p>
+            <a:pPr algn="ctr"/>
+            <a:endParaRPr lang="ko-KR" altLang="en-US"/>
+          </a:p>
+        </p:txBody>
+      </p:sp>
+      <p:sp>
+        <p:nvSpPr>
+          <p:cNvPr id="26" name="TextBox 25">
+            <a:extLst>
+              <a:ext uri="{FF2B5EF4-FFF2-40B4-BE49-F238E27FC236}">
+                <a16:creationId xmlns:a16="http://schemas.microsoft.com/office/drawing/2014/main" id="{D6EFF750-4757-41DD-BAD3-8EC77A104C23}"/>
+              </a:ext>
+            </a:extLst>
+          </p:cNvPr>
+          <p:cNvSpPr txBox="1"/>
+          <p:nvPr/>
+        </p:nvSpPr>
+        <p:spPr>
+          <a:xfrm>
+            <a:off x="513505" y="2799276"/>
+            <a:ext cx="571950" cy="200055"/>
+          </a:xfrm>
+          <a:prstGeom prst="rect">
+            <a:avLst/>
+          </a:prstGeom>
+          <a:noFill/>
+        </p:spPr>
+        <p:txBody>
+          <a:bodyPr wrap="square" rtlCol="0">
+            <a:spAutoFit/>
+          </a:bodyPr>
+          <a:lstStyle/>
+          <a:p>
+            <a:r>
+              <a:rPr lang="en-US" altLang="ko-KR" sz="700" dirty="0" err="1">
+                <a:solidFill>
+                  <a:schemeClr val="tx1">
+                    <a:lumMod val="65000"/>
+                    <a:lumOff val="35000"/>
+                  </a:schemeClr>
+                </a:solidFill>
+              </a:rPr>
+              <a:t>tcp</a:t>
+            </a:r>
+            <a:r>
+              <a:rPr lang="en-US" altLang="ko-KR" sz="700" dirty="0">
+                <a:solidFill>
+                  <a:schemeClr val="tx1">
+                    <a:lumMod val="65000"/>
+                    <a:lumOff val="35000"/>
+                  </a:schemeClr>
+                </a:solidFill>
+              </a:rPr>
+              <a:t>/9990</a:t>
+            </a:r>
+            <a:endParaRPr lang="ko-KR" altLang="en-US" sz="700" dirty="0">
+              <a:solidFill>
+                <a:schemeClr val="tx1">
+                  <a:lumMod val="65000"/>
+                  <a:lumOff val="35000"/>
+                </a:schemeClr>
+              </a:solidFill>
+            </a:endParaRPr>
+          </a:p>
+        </p:txBody>
+      </p:sp>
+      <p:sp>
+        <p:nvSpPr>
+          <p:cNvPr id="227" name="TextBox 226">
+            <a:extLst>
+              <a:ext uri="{FF2B5EF4-FFF2-40B4-BE49-F238E27FC236}">
+                <a16:creationId xmlns:a16="http://schemas.microsoft.com/office/drawing/2014/main" id="{DF48CB38-0CAB-4143-8253-EA41BAD3FBAA}"/>
+              </a:ext>
+            </a:extLst>
+          </p:cNvPr>
+          <p:cNvSpPr txBox="1"/>
+          <p:nvPr/>
+        </p:nvSpPr>
+        <p:spPr>
+          <a:xfrm>
+            <a:off x="2112189" y="1083973"/>
+            <a:ext cx="571950" cy="200055"/>
+          </a:xfrm>
+          <a:prstGeom prst="rect">
+            <a:avLst/>
+          </a:prstGeom>
+          <a:noFill/>
+        </p:spPr>
+        <p:txBody>
+          <a:bodyPr wrap="square" rtlCol="0">
+            <a:spAutoFit/>
+          </a:bodyPr>
+          <a:lstStyle/>
+          <a:p>
+            <a:r>
+              <a:rPr lang="en-US" altLang="ko-KR" sz="700" dirty="0" err="1">
+                <a:solidFill>
+                  <a:schemeClr val="tx1">
+                    <a:lumMod val="65000"/>
+                    <a:lumOff val="35000"/>
+                  </a:schemeClr>
+                </a:solidFill>
+              </a:rPr>
+              <a:t>tcp</a:t>
+            </a:r>
+            <a:r>
+              <a:rPr lang="en-US" altLang="ko-KR" sz="700" dirty="0">
+                <a:solidFill>
+                  <a:schemeClr val="tx1">
+                    <a:lumMod val="65000"/>
+                    <a:lumOff val="35000"/>
+                  </a:schemeClr>
+                </a:solidFill>
+              </a:rPr>
+              <a:t>/9092</a:t>
+            </a:r>
+            <a:endParaRPr lang="ko-KR" altLang="en-US" sz="700" dirty="0">
+              <a:solidFill>
+                <a:schemeClr val="tx1">
+                  <a:lumMod val="65000"/>
+                  <a:lumOff val="35000"/>
+                </a:schemeClr>
+              </a:solidFill>
+            </a:endParaRPr>
+          </a:p>
+        </p:txBody>
+      </p:sp>
+      <p:sp>
+        <p:nvSpPr>
+          <p:cNvPr id="228" name="TextBox 227">
+            <a:extLst>
+              <a:ext uri="{FF2B5EF4-FFF2-40B4-BE49-F238E27FC236}">
+                <a16:creationId xmlns:a16="http://schemas.microsoft.com/office/drawing/2014/main" id="{CE3BC965-9401-4DE5-8F42-E5D13096CD8E}"/>
+              </a:ext>
+            </a:extLst>
+          </p:cNvPr>
+          <p:cNvSpPr txBox="1"/>
+          <p:nvPr/>
+        </p:nvSpPr>
+        <p:spPr>
+          <a:xfrm>
+            <a:off x="3497068" y="1564532"/>
+            <a:ext cx="515634" cy="200055"/>
+          </a:xfrm>
+          <a:prstGeom prst="rect">
+            <a:avLst/>
+          </a:prstGeom>
+          <a:noFill/>
+        </p:spPr>
+        <p:txBody>
+          <a:bodyPr wrap="square" rtlCol="0">
+            <a:spAutoFit/>
+          </a:bodyPr>
+          <a:lstStyle/>
+          <a:p>
+            <a:r>
+              <a:rPr lang="en-US" altLang="ko-KR" sz="700" dirty="0" err="1">
+                <a:solidFill>
+                  <a:schemeClr val="tx1">
+                    <a:lumMod val="65000"/>
+                    <a:lumOff val="35000"/>
+                  </a:schemeClr>
+                </a:solidFill>
+              </a:rPr>
+              <a:t>tcp</a:t>
+            </a:r>
+            <a:r>
+              <a:rPr lang="en-US" altLang="ko-KR" sz="700" dirty="0">
+                <a:solidFill>
+                  <a:schemeClr val="tx1">
+                    <a:lumMod val="65000"/>
+                    <a:lumOff val="35000"/>
+                  </a:schemeClr>
+                </a:solidFill>
+              </a:rPr>
+              <a:t>/2181</a:t>
+            </a:r>
+            <a:endParaRPr lang="ko-KR" altLang="en-US" sz="700" dirty="0">
+              <a:solidFill>
+                <a:schemeClr val="tx1">
+                  <a:lumMod val="65000"/>
+                  <a:lumOff val="35000"/>
+                </a:schemeClr>
+              </a:solidFill>
+            </a:endParaRPr>
+          </a:p>
+        </p:txBody>
+      </p:sp>
+      <p:sp>
+        <p:nvSpPr>
+          <p:cNvPr id="229" name="TextBox 228">
+            <a:extLst>
+              <a:ext uri="{FF2B5EF4-FFF2-40B4-BE49-F238E27FC236}">
+                <a16:creationId xmlns:a16="http://schemas.microsoft.com/office/drawing/2014/main" id="{002D0605-F254-40AD-B926-FB075D37D202}"/>
+              </a:ext>
+            </a:extLst>
+          </p:cNvPr>
+          <p:cNvSpPr txBox="1"/>
+          <p:nvPr/>
+        </p:nvSpPr>
+        <p:spPr>
+          <a:xfrm>
+            <a:off x="4351211" y="1102422"/>
+            <a:ext cx="571950" cy="200055"/>
+          </a:xfrm>
+          <a:prstGeom prst="rect">
+            <a:avLst/>
+          </a:prstGeom>
+          <a:noFill/>
+        </p:spPr>
+        <p:txBody>
+          <a:bodyPr wrap="square" rtlCol="0">
+            <a:spAutoFit/>
+          </a:bodyPr>
+          <a:lstStyle/>
+          <a:p>
+            <a:r>
+              <a:rPr lang="en-US" altLang="ko-KR" sz="700" dirty="0" err="1">
+                <a:solidFill>
+                  <a:schemeClr val="tx1">
+                    <a:lumMod val="65000"/>
+                    <a:lumOff val="35000"/>
+                  </a:schemeClr>
+                </a:solidFill>
+              </a:rPr>
+              <a:t>tcp</a:t>
+            </a:r>
+            <a:r>
+              <a:rPr lang="en-US" altLang="ko-KR" sz="700" dirty="0">
+                <a:solidFill>
+                  <a:schemeClr val="tx1">
+                    <a:lumMod val="65000"/>
+                    <a:lumOff val="35000"/>
+                  </a:schemeClr>
+                </a:solidFill>
+              </a:rPr>
+              <a:t>/9092</a:t>
+            </a:r>
+            <a:endParaRPr lang="ko-KR" altLang="en-US" sz="700" dirty="0">
+              <a:solidFill>
+                <a:schemeClr val="tx1">
+                  <a:lumMod val="65000"/>
+                  <a:lumOff val="35000"/>
+                </a:schemeClr>
+              </a:solidFill>
+            </a:endParaRPr>
+          </a:p>
+        </p:txBody>
+      </p:sp>
+      <p:cxnSp>
+        <p:nvCxnSpPr>
+          <p:cNvPr id="64" name="직선 화살표 연결선 63">
+            <a:extLst>
+              <a:ext uri="{FF2B5EF4-FFF2-40B4-BE49-F238E27FC236}">
+                <a16:creationId xmlns:a16="http://schemas.microsoft.com/office/drawing/2014/main" id="{16AD3A8C-52AF-DF4D-AE7E-AB13DE9090E9}"/>
+              </a:ext>
+            </a:extLst>
+          </p:cNvPr>
+          <p:cNvCxnSpPr>
+            <a:cxnSpLocks/>
+            <a:stCxn id="42" idx="0"/>
+            <a:endCxn id="33" idx="2"/>
+          </p:cNvCxnSpPr>
+          <p:nvPr/>
+        </p:nvCxnSpPr>
+        <p:spPr>
+          <a:xfrm flipV="1">
+            <a:off x="985899" y="3775893"/>
+            <a:ext cx="0" cy="691655"/>
+          </a:xfrm>
+          <a:prstGeom prst="straightConnector1">
+            <a:avLst/>
+          </a:prstGeom>
+          <a:ln w="5080">
+            <a:solidFill>
+              <a:schemeClr val="tx1"/>
+            </a:solidFill>
+            <a:tailEnd type="triangle"/>
+          </a:ln>
+        </p:spPr>
+        <p:style>
+          <a:lnRef idx="1">
+            <a:schemeClr val="accent1"/>
+          </a:lnRef>
+          <a:fillRef idx="0">
+            <a:schemeClr val="accent1"/>
+          </a:fillRef>
+          <a:effectRef idx="0">
+            <a:schemeClr val="accent1"/>
+          </a:effectRef>
+          <a:fontRef idx="minor">
+            <a:schemeClr val="tx1"/>
+          </a:fontRef>
+        </p:style>
+      </p:cxnSp>
+      <p:sp>
+        <p:nvSpPr>
+          <p:cNvPr id="73" name="화살표: 오른쪽 225">
+            <a:extLst>
+              <a:ext uri="{FF2B5EF4-FFF2-40B4-BE49-F238E27FC236}">
+                <a16:creationId xmlns:a16="http://schemas.microsoft.com/office/drawing/2014/main" id="{8827542B-382A-E843-A360-A7F799230A4F}"/>
+              </a:ext>
+            </a:extLst>
+          </p:cNvPr>
+          <p:cNvSpPr/>
+          <p:nvPr/>
+        </p:nvSpPr>
+        <p:spPr>
+          <a:xfrm>
+            <a:off x="6403015" y="1087533"/>
+            <a:ext cx="380747" cy="45719"/>
+          </a:xfrm>
+          <a:prstGeom prst="rightArrow">
+            <a:avLst/>
+          </a:prstGeom>
+          <a:solidFill>
+            <a:schemeClr val="bg2"/>
+          </a:solidFill>
+          <a:ln>
+            <a:solidFill>
+              <a:schemeClr val="bg2">
+                <a:lumMod val="90000"/>
+              </a:schemeClr>
+            </a:solidFill>
+          </a:ln>
+        </p:spPr>
+        <p:style>
+          <a:lnRef idx="2">
+            <a:schemeClr val="accent1">
+              <a:shade val="50000"/>
+            </a:schemeClr>
+          </a:lnRef>
+          <a:fillRef idx="1">
+            <a:schemeClr val="accent1"/>
+          </a:fillRef>
+          <a:effectRef idx="0">
+            <a:schemeClr val="accent1"/>
+          </a:effectRef>
+          <a:fontRef idx="minor">
+            <a:schemeClr val="lt1"/>
+          </a:fontRef>
+        </p:style>
+        <p:txBody>
+          <a:bodyPr rtlCol="0" anchor="ctr"/>
+          <a:lstStyle/>
+          <a:p>
+            <a:pPr algn="ctr"/>
+            <a:endParaRPr lang="ko-KR" altLang="en-US"/>
+          </a:p>
+        </p:txBody>
+      </p:sp>
+      <p:sp>
+        <p:nvSpPr>
+          <p:cNvPr id="78" name="TextBox 77">
+            <a:extLst>
+              <a:ext uri="{FF2B5EF4-FFF2-40B4-BE49-F238E27FC236}">
+                <a16:creationId xmlns:a16="http://schemas.microsoft.com/office/drawing/2014/main" id="{71788260-4187-E348-B5CA-3249C87CB441}"/>
+              </a:ext>
+            </a:extLst>
+          </p:cNvPr>
+          <p:cNvSpPr txBox="1"/>
+          <p:nvPr/>
+        </p:nvSpPr>
+        <p:spPr>
+          <a:xfrm>
+            <a:off x="5148696" y="2983722"/>
+            <a:ext cx="1002175" cy="430887"/>
+          </a:xfrm>
+          <a:prstGeom prst="rect">
+            <a:avLst/>
+          </a:prstGeom>
+          <a:noFill/>
+          <a:ln>
+            <a:solidFill>
+              <a:schemeClr val="tx1"/>
+            </a:solidFill>
+          </a:ln>
+        </p:spPr>
+        <p:txBody>
+          <a:bodyPr wrap="square" rtlCol="0" anchor="ctr">
+            <a:spAutoFit/>
+          </a:bodyPr>
+          <a:lstStyle/>
+          <a:p>
+            <a:pPr algn="ctr"/>
+            <a:r>
+              <a:rPr lang="en-US" altLang="ko-KR" sz="1100" dirty="0">
+                <a:ea typeface="Arial Unicode MS" panose="020B0604020202020204"/>
+              </a:rPr>
+              <a:t>Front-end</a:t>
+            </a:r>
+          </a:p>
+          <a:p>
+            <a:pPr algn="ctr"/>
+            <a:endParaRPr lang="ko-KR" altLang="en-US" sz="1100" dirty="0"/>
+          </a:p>
+        </p:txBody>
+      </p:sp>
+      <p:sp>
+        <p:nvSpPr>
+          <p:cNvPr id="80" name="TextBox 79">
+            <a:extLst>
+              <a:ext uri="{FF2B5EF4-FFF2-40B4-BE49-F238E27FC236}">
+                <a16:creationId xmlns:a16="http://schemas.microsoft.com/office/drawing/2014/main" id="{911956F1-7081-5D4E-9B0B-B9E4286ABA6D}"/>
+              </a:ext>
+            </a:extLst>
+          </p:cNvPr>
+          <p:cNvSpPr txBox="1"/>
+          <p:nvPr/>
+        </p:nvSpPr>
+        <p:spPr>
+          <a:xfrm>
+            <a:off x="5033293" y="2584030"/>
+            <a:ext cx="1050961" cy="230832"/>
+          </a:xfrm>
+          <a:prstGeom prst="rect">
+            <a:avLst/>
+          </a:prstGeom>
+          <a:solidFill>
+            <a:schemeClr val="bg1"/>
+          </a:solidFill>
+        </p:spPr>
+        <p:txBody>
+          <a:bodyPr wrap="square" rtlCol="0">
+            <a:spAutoFit/>
+          </a:bodyPr>
+          <a:lstStyle/>
+          <a:p>
+            <a:r>
+              <a:rPr kumimoji="1" lang="en-US" altLang="ko-Kore-KR" sz="900" dirty="0">
+                <a:latin typeface="Arial Unicode MS" panose="020B0604020202020204" pitchFamily="34" charset="-128"/>
+                <a:ea typeface="Arial Unicode MS" panose="020B0604020202020204" pitchFamily="34" charset="-128"/>
+                <a:cs typeface="Arial Unicode MS" panose="020B0604020202020204" pitchFamily="34" charset="-128"/>
+              </a:rPr>
+              <a:t>Front-end Server</a:t>
+            </a:r>
+            <a:endParaRPr kumimoji="1" lang="ko-Kore-KR" altLang="en-US" sz="900" dirty="0">
+              <a:latin typeface="Arial Unicode MS" panose="020B0604020202020204" pitchFamily="34" charset="-128"/>
+              <a:ea typeface="Arial Unicode MS" panose="020B0604020202020204" pitchFamily="34" charset="-128"/>
+              <a:cs typeface="Arial Unicode MS" panose="020B0604020202020204" pitchFamily="34" charset="-128"/>
+            </a:endParaRPr>
+          </a:p>
+        </p:txBody>
+      </p:sp>
+      <p:sp>
+        <p:nvSpPr>
+          <p:cNvPr id="82" name="TextBox 81">
+            <a:extLst>
+              <a:ext uri="{FF2B5EF4-FFF2-40B4-BE49-F238E27FC236}">
+                <a16:creationId xmlns:a16="http://schemas.microsoft.com/office/drawing/2014/main" id="{D9E27311-FEA5-3E4C-9998-DE0EB1BC6734}"/>
+              </a:ext>
+            </a:extLst>
+          </p:cNvPr>
+          <p:cNvSpPr txBox="1"/>
+          <p:nvPr/>
+        </p:nvSpPr>
+        <p:spPr>
+          <a:xfrm>
+            <a:off x="6993133" y="2962833"/>
+            <a:ext cx="1002175" cy="430887"/>
+          </a:xfrm>
+          <a:prstGeom prst="rect">
+            <a:avLst/>
+          </a:prstGeom>
+          <a:noFill/>
+          <a:ln>
+            <a:solidFill>
+              <a:schemeClr val="tx1"/>
+            </a:solidFill>
+          </a:ln>
+        </p:spPr>
+        <p:txBody>
+          <a:bodyPr wrap="square" rtlCol="0" anchor="ctr">
+            <a:spAutoFit/>
+          </a:bodyPr>
+          <a:lstStyle/>
+          <a:p>
+            <a:pPr algn="ctr"/>
+            <a:r>
+              <a:rPr lang="en-US" altLang="ko-KR" sz="1100" dirty="0">
+                <a:ea typeface="Arial Unicode MS" panose="020B0604020202020204"/>
+              </a:rPr>
+              <a:t>Back-end</a:t>
+            </a:r>
+          </a:p>
+          <a:p>
+            <a:pPr algn="ctr"/>
+            <a:endParaRPr lang="ko-KR" altLang="en-US" sz="1100" dirty="0"/>
+          </a:p>
+        </p:txBody>
+      </p:sp>
+      <p:sp>
+        <p:nvSpPr>
+          <p:cNvPr id="86" name="TextBox 85">
+            <a:extLst>
+              <a:ext uri="{FF2B5EF4-FFF2-40B4-BE49-F238E27FC236}">
+                <a16:creationId xmlns:a16="http://schemas.microsoft.com/office/drawing/2014/main" id="{22E7ED38-664D-7845-8806-C643DE30EBB6}"/>
+              </a:ext>
+            </a:extLst>
+          </p:cNvPr>
+          <p:cNvSpPr txBox="1"/>
+          <p:nvPr/>
+        </p:nvSpPr>
+        <p:spPr>
+          <a:xfrm>
+            <a:off x="6993132" y="3504973"/>
+            <a:ext cx="1002175" cy="430887"/>
+          </a:xfrm>
+          <a:prstGeom prst="rect">
+            <a:avLst/>
+          </a:prstGeom>
+          <a:noFill/>
+          <a:ln>
+            <a:solidFill>
+              <a:schemeClr val="tx1"/>
+            </a:solidFill>
+          </a:ln>
+        </p:spPr>
+        <p:txBody>
+          <a:bodyPr wrap="square" rtlCol="0" anchor="ctr">
+            <a:spAutoFit/>
+          </a:bodyPr>
+          <a:lstStyle/>
+          <a:p>
+            <a:pPr algn="ctr"/>
+            <a:r>
+              <a:rPr lang="en-US" altLang="ko-KR" sz="1100" dirty="0">
+                <a:ea typeface="Arial Unicode MS" panose="020B0604020202020204"/>
+              </a:rPr>
+              <a:t>Web</a:t>
+            </a:r>
+          </a:p>
+          <a:p>
+            <a:pPr algn="ctr"/>
+            <a:r>
+              <a:rPr lang="en-US" altLang="ko-KR" sz="1100" dirty="0">
+                <a:ea typeface="Arial Unicode MS" panose="020B0604020202020204"/>
+              </a:rPr>
+              <a:t>Database</a:t>
+            </a:r>
+            <a:endParaRPr lang="ko-KR" altLang="en-US" sz="1100" dirty="0"/>
+          </a:p>
+        </p:txBody>
+      </p:sp>
+      <p:sp>
+        <p:nvSpPr>
+          <p:cNvPr id="95" name="TextBox 94">
+            <a:extLst>
+              <a:ext uri="{FF2B5EF4-FFF2-40B4-BE49-F238E27FC236}">
+                <a16:creationId xmlns:a16="http://schemas.microsoft.com/office/drawing/2014/main" id="{212E441F-B8A1-2740-9FC3-DBCD66D3D9A6}"/>
+              </a:ext>
+            </a:extLst>
+          </p:cNvPr>
+          <p:cNvSpPr txBox="1"/>
+          <p:nvPr/>
+        </p:nvSpPr>
+        <p:spPr>
+          <a:xfrm>
+            <a:off x="5130452" y="1463626"/>
+            <a:ext cx="993387" cy="430887"/>
+          </a:xfrm>
+          <a:prstGeom prst="rect">
+            <a:avLst/>
+          </a:prstGeom>
+          <a:noFill/>
+          <a:ln>
+            <a:solidFill>
+              <a:schemeClr val="tx1"/>
+            </a:solidFill>
+          </a:ln>
+        </p:spPr>
+        <p:txBody>
+          <a:bodyPr wrap="square" rtlCol="0" anchor="ctr">
+            <a:spAutoFit/>
+          </a:bodyPr>
+          <a:lstStyle/>
+          <a:p>
+            <a:pPr algn="ctr"/>
+            <a:r>
+              <a:rPr lang="en-US" altLang="ko-KR" sz="1100" dirty="0">
+                <a:ea typeface="Arial Unicode MS" panose="020B0604020202020204"/>
+              </a:rPr>
+              <a:t>Slack</a:t>
+            </a:r>
+          </a:p>
+          <a:p>
+            <a:pPr algn="ctr"/>
+            <a:r>
+              <a:rPr lang="en-US" altLang="ko-KR" sz="1100" dirty="0">
+                <a:ea typeface="Arial Unicode MS" panose="020B0604020202020204"/>
+              </a:rPr>
+              <a:t>Messenger</a:t>
+            </a:r>
+          </a:p>
+        </p:txBody>
+      </p:sp>
+      <p:sp>
+        <p:nvSpPr>
+          <p:cNvPr id="100" name="모서리가 둥근 직사각형 15">
+            <a:extLst>
+              <a:ext uri="{FF2B5EF4-FFF2-40B4-BE49-F238E27FC236}">
+                <a16:creationId xmlns:a16="http://schemas.microsoft.com/office/drawing/2014/main" id="{4E4742E9-878B-EA44-B3FA-F72F80E62C78}"/>
+              </a:ext>
+            </a:extLst>
+          </p:cNvPr>
+          <p:cNvSpPr/>
+          <p:nvPr/>
+        </p:nvSpPr>
+        <p:spPr>
+          <a:xfrm>
+            <a:off x="6859370" y="720567"/>
+            <a:ext cx="1354618" cy="943367"/>
+          </a:xfrm>
+          <a:prstGeom prst="roundRect">
+            <a:avLst>
+              <a:gd name="adj" fmla="val 5929"/>
+            </a:avLst>
+          </a:prstGeom>
+          <a:ln w="10160">
+            <a:solidFill>
+              <a:schemeClr val="tx1">
+                <a:lumMod val="50000"/>
+                <a:lumOff val="50000"/>
+              </a:schemeClr>
+            </a:solidFill>
+          </a:ln>
+          <a:effectLst/>
+        </p:spPr>
+        <p:style>
+          <a:lnRef idx="2">
+            <a:schemeClr val="accent6"/>
+          </a:lnRef>
+          <a:fillRef idx="1">
+            <a:schemeClr val="lt1"/>
+          </a:fillRef>
+          <a:effectRef idx="0">
+            <a:schemeClr val="accent6"/>
+          </a:effectRef>
+          <a:fontRef idx="minor">
+            <a:schemeClr val="dk1"/>
+          </a:fontRef>
+        </p:style>
+        <p:txBody>
+          <a:bodyPr rtlCol="0" anchor="ctr"/>
+          <a:lstStyle/>
+          <a:p>
+            <a:pPr algn="ctr"/>
+            <a:endParaRPr kumimoji="1" lang="ko-Kore-KR" altLang="en-US" dirty="0"/>
+          </a:p>
+        </p:txBody>
+      </p:sp>
+      <p:sp>
+        <p:nvSpPr>
+          <p:cNvPr id="101" name="TextBox 100">
+            <a:extLst>
+              <a:ext uri="{FF2B5EF4-FFF2-40B4-BE49-F238E27FC236}">
+                <a16:creationId xmlns:a16="http://schemas.microsoft.com/office/drawing/2014/main" id="{F064A96C-DE85-074D-A5EF-98E7725F0E40}"/>
+              </a:ext>
+            </a:extLst>
+          </p:cNvPr>
+          <p:cNvSpPr txBox="1"/>
+          <p:nvPr/>
+        </p:nvSpPr>
+        <p:spPr>
+          <a:xfrm>
+            <a:off x="6930430" y="597581"/>
+            <a:ext cx="993387" cy="230832"/>
+          </a:xfrm>
+          <a:prstGeom prst="rect">
+            <a:avLst/>
+          </a:prstGeom>
+          <a:solidFill>
+            <a:schemeClr val="lt1"/>
+          </a:solidFill>
+        </p:spPr>
+        <p:txBody>
+          <a:bodyPr wrap="square" lIns="36000" rIns="36000" rtlCol="0">
+            <a:spAutoFit/>
+          </a:bodyPr>
+          <a:lstStyle/>
+          <a:p>
+            <a:r>
+              <a:rPr kumimoji="1" lang="en-US" altLang="ko-Kore-KR" sz="900" dirty="0">
+                <a:latin typeface="Arial Unicode MS" panose="020B0604020202020204" pitchFamily="34" charset="-128"/>
+                <a:ea typeface="Arial Unicode MS" panose="020B0604020202020204" pitchFamily="34" charset="-128"/>
+                <a:cs typeface="Arial Unicode MS" panose="020B0604020202020204" pitchFamily="34" charset="-128"/>
+              </a:rPr>
+              <a:t>MongoDB Server</a:t>
+            </a:r>
+            <a:endParaRPr kumimoji="1" lang="ko-Kore-KR" altLang="en-US" sz="900" dirty="0">
+              <a:latin typeface="Arial Unicode MS" panose="020B0604020202020204" pitchFamily="34" charset="-128"/>
+              <a:ea typeface="Arial Unicode MS" panose="020B0604020202020204" pitchFamily="34" charset="-128"/>
+              <a:cs typeface="Arial Unicode MS" panose="020B0604020202020204" pitchFamily="34" charset="-128"/>
+            </a:endParaRPr>
+          </a:p>
+        </p:txBody>
+      </p:sp>
+      <p:sp>
+        <p:nvSpPr>
+          <p:cNvPr id="96" name="TextBox 95">
+            <a:extLst>
+              <a:ext uri="{FF2B5EF4-FFF2-40B4-BE49-F238E27FC236}">
+                <a16:creationId xmlns:a16="http://schemas.microsoft.com/office/drawing/2014/main" id="{30B87F07-286B-0A48-8169-6563C6805FDF}"/>
+              </a:ext>
+            </a:extLst>
+          </p:cNvPr>
+          <p:cNvSpPr txBox="1"/>
+          <p:nvPr/>
+        </p:nvSpPr>
+        <p:spPr>
+          <a:xfrm>
+            <a:off x="7043713" y="967696"/>
+            <a:ext cx="993386" cy="430887"/>
+          </a:xfrm>
+          <a:prstGeom prst="rect">
+            <a:avLst/>
+          </a:prstGeom>
+          <a:noFill/>
+          <a:ln>
+            <a:solidFill>
+              <a:schemeClr val="tx1"/>
+            </a:solidFill>
+          </a:ln>
+        </p:spPr>
+        <p:txBody>
+          <a:bodyPr wrap="square" rtlCol="0" anchor="ctr">
+            <a:spAutoFit/>
+          </a:bodyPr>
+          <a:lstStyle/>
+          <a:p>
+            <a:pPr algn="ctr"/>
+            <a:r>
+              <a:rPr lang="en-US" altLang="ko-KR" sz="1100" dirty="0">
+                <a:ea typeface="Arial Unicode MS" panose="020B0604020202020204"/>
+              </a:rPr>
+              <a:t>Packet</a:t>
+            </a:r>
+          </a:p>
+          <a:p>
+            <a:pPr algn="ctr"/>
+            <a:r>
+              <a:rPr lang="en-US" altLang="ko-KR" sz="1100" dirty="0">
+                <a:ea typeface="Arial Unicode MS" panose="020B0604020202020204"/>
+              </a:rPr>
+              <a:t>Database</a:t>
+            </a:r>
+            <a:endParaRPr lang="ko-KR" altLang="en-US" sz="1100" dirty="0"/>
+          </a:p>
+        </p:txBody>
+      </p:sp>
+      <p:sp>
+        <p:nvSpPr>
+          <p:cNvPr id="102" name="모서리가 둥근 직사각형 15">
+            <a:extLst>
+              <a:ext uri="{FF2B5EF4-FFF2-40B4-BE49-F238E27FC236}">
+                <a16:creationId xmlns:a16="http://schemas.microsoft.com/office/drawing/2014/main" id="{EB75741C-96B8-1E49-9F26-C47EA0EE6002}"/>
+              </a:ext>
+            </a:extLst>
+          </p:cNvPr>
+          <p:cNvSpPr/>
+          <p:nvPr/>
+        </p:nvSpPr>
+        <p:spPr>
+          <a:xfrm>
+            <a:off x="2149060" y="2955613"/>
+            <a:ext cx="1269225" cy="734098"/>
+          </a:xfrm>
+          <a:prstGeom prst="roundRect">
+            <a:avLst>
+              <a:gd name="adj" fmla="val 5929"/>
+            </a:avLst>
+          </a:prstGeom>
+          <a:ln w="10160">
+            <a:solidFill>
+              <a:schemeClr val="tx1">
+                <a:lumMod val="50000"/>
+                <a:lumOff val="50000"/>
+              </a:schemeClr>
+            </a:solidFill>
+          </a:ln>
+          <a:effectLst/>
+        </p:spPr>
+        <p:style>
+          <a:lnRef idx="2">
+            <a:schemeClr val="accent6"/>
+          </a:lnRef>
+          <a:fillRef idx="1">
+            <a:schemeClr val="lt1"/>
+          </a:fillRef>
+          <a:effectRef idx="0">
+            <a:schemeClr val="accent6"/>
+          </a:effectRef>
+          <a:fontRef idx="minor">
+            <a:schemeClr val="dk1"/>
+          </a:fontRef>
+        </p:style>
+        <p:txBody>
+          <a:bodyPr rtlCol="0" anchor="ctr"/>
+          <a:lstStyle/>
+          <a:p>
+            <a:pPr algn="ctr"/>
+            <a:endParaRPr kumimoji="1" lang="ko-Kore-KR" altLang="en-US" dirty="0"/>
+          </a:p>
+        </p:txBody>
+      </p:sp>
+      <p:sp>
+        <p:nvSpPr>
+          <p:cNvPr id="103" name="TextBox 102">
+            <a:extLst>
+              <a:ext uri="{FF2B5EF4-FFF2-40B4-BE49-F238E27FC236}">
+                <a16:creationId xmlns:a16="http://schemas.microsoft.com/office/drawing/2014/main" id="{1BB618E5-8463-0C47-83B8-C8E8A98F2349}"/>
+              </a:ext>
+            </a:extLst>
+          </p:cNvPr>
+          <p:cNvSpPr txBox="1"/>
+          <p:nvPr/>
+        </p:nvSpPr>
+        <p:spPr>
+          <a:xfrm>
+            <a:off x="2220121" y="2832626"/>
+            <a:ext cx="947270" cy="230832"/>
+          </a:xfrm>
+          <a:prstGeom prst="rect">
+            <a:avLst/>
+          </a:prstGeom>
+          <a:solidFill>
+            <a:schemeClr val="lt1"/>
+          </a:solidFill>
+        </p:spPr>
+        <p:txBody>
+          <a:bodyPr wrap="square" lIns="36000" rIns="36000" rtlCol="0">
+            <a:spAutoFit/>
+          </a:bodyPr>
+          <a:lstStyle/>
+          <a:p>
+            <a:r>
+              <a:rPr kumimoji="1" lang="en-US" altLang="ko-Kore-KR" sz="900" dirty="0">
+                <a:latin typeface="Arial Unicode MS" panose="020B0604020202020204" pitchFamily="34" charset="-128"/>
+                <a:ea typeface="Arial Unicode MS" panose="020B0604020202020204" pitchFamily="34" charset="-128"/>
+                <a:cs typeface="Arial Unicode MS" panose="020B0604020202020204" pitchFamily="34" charset="-128"/>
+              </a:rPr>
+              <a:t>MariaDB Server</a:t>
+            </a:r>
+            <a:endParaRPr kumimoji="1" lang="ko-Kore-KR" altLang="en-US" sz="900" dirty="0">
+              <a:latin typeface="Arial Unicode MS" panose="020B0604020202020204" pitchFamily="34" charset="-128"/>
+              <a:ea typeface="Arial Unicode MS" panose="020B0604020202020204" pitchFamily="34" charset="-128"/>
+              <a:cs typeface="Arial Unicode MS" panose="020B0604020202020204" pitchFamily="34" charset="-128"/>
+            </a:endParaRPr>
+          </a:p>
+        </p:txBody>
+      </p:sp>
+      <p:sp>
+        <p:nvSpPr>
+          <p:cNvPr id="85" name="TextBox 84">
+            <a:extLst>
+              <a:ext uri="{FF2B5EF4-FFF2-40B4-BE49-F238E27FC236}">
+                <a16:creationId xmlns:a16="http://schemas.microsoft.com/office/drawing/2014/main" id="{ECB6E693-8183-0A40-BD7E-55E770341ED3}"/>
+              </a:ext>
+            </a:extLst>
+          </p:cNvPr>
+          <p:cNvSpPr txBox="1"/>
+          <p:nvPr/>
+        </p:nvSpPr>
+        <p:spPr>
+          <a:xfrm>
+            <a:off x="2413136" y="3108534"/>
+            <a:ext cx="759118" cy="430887"/>
+          </a:xfrm>
+          <a:prstGeom prst="rect">
+            <a:avLst/>
+          </a:prstGeom>
+          <a:noFill/>
+          <a:ln>
+            <a:solidFill>
+              <a:schemeClr val="tx1"/>
+            </a:solidFill>
+          </a:ln>
+        </p:spPr>
+        <p:txBody>
+          <a:bodyPr wrap="square" rtlCol="0" anchor="ctr">
+            <a:spAutoFit/>
+          </a:bodyPr>
+          <a:lstStyle/>
+          <a:p>
+            <a:pPr algn="ctr"/>
+            <a:r>
+              <a:rPr lang="en-US" altLang="ko-KR" sz="1100" dirty="0">
+                <a:ea typeface="Arial Unicode MS" panose="020B0604020202020204"/>
+              </a:rPr>
+              <a:t>Log</a:t>
+            </a:r>
+          </a:p>
+          <a:p>
+            <a:pPr algn="ctr"/>
+            <a:r>
+              <a:rPr lang="en-US" altLang="ko-KR" sz="1100" dirty="0">
+                <a:ea typeface="Arial Unicode MS" panose="020B0604020202020204"/>
+              </a:rPr>
+              <a:t>Database</a:t>
+            </a:r>
+            <a:endParaRPr lang="ko-KR" altLang="en-US" sz="1100" dirty="0"/>
+          </a:p>
+        </p:txBody>
+      </p:sp>
+      <p:sp>
+        <p:nvSpPr>
+          <p:cNvPr id="104" name="화살표: 오른쪽 20">
+            <a:extLst>
+              <a:ext uri="{FF2B5EF4-FFF2-40B4-BE49-F238E27FC236}">
+                <a16:creationId xmlns:a16="http://schemas.microsoft.com/office/drawing/2014/main" id="{C50065D2-91C3-2C4D-A44F-4AA52F73C4AF}"/>
+              </a:ext>
+            </a:extLst>
+          </p:cNvPr>
+          <p:cNvSpPr/>
+          <p:nvPr/>
+        </p:nvSpPr>
+        <p:spPr>
+          <a:xfrm rot="2584066" flipV="1">
+            <a:off x="1764938" y="2723052"/>
+            <a:ext cx="441913" cy="45719"/>
+          </a:xfrm>
+          <a:prstGeom prst="rightArrow">
+            <a:avLst/>
+          </a:prstGeom>
+          <a:solidFill>
+            <a:schemeClr val="bg2"/>
+          </a:solidFill>
+          <a:ln>
+            <a:solidFill>
+              <a:schemeClr val="bg2">
+                <a:lumMod val="90000"/>
+              </a:schemeClr>
+            </a:solidFill>
+          </a:ln>
+        </p:spPr>
+        <p:style>
+          <a:lnRef idx="2">
+            <a:schemeClr val="accent1">
+              <a:shade val="50000"/>
+            </a:schemeClr>
+          </a:lnRef>
+          <a:fillRef idx="1">
+            <a:schemeClr val="accent1"/>
+          </a:fillRef>
+          <a:effectRef idx="0">
+            <a:schemeClr val="accent1"/>
+          </a:effectRef>
+          <a:fontRef idx="minor">
+            <a:schemeClr val="lt1"/>
+          </a:fontRef>
+        </p:style>
+        <p:txBody>
+          <a:bodyPr rtlCol="0" anchor="ctr"/>
+          <a:lstStyle/>
+          <a:p>
+            <a:pPr algn="ctr"/>
+            <a:endParaRPr lang="ko-KR" altLang="en-US"/>
+          </a:p>
+        </p:txBody>
+      </p:sp>
+      <p:sp>
+        <p:nvSpPr>
+          <p:cNvPr id="106" name="TextBox 105">
+            <a:extLst>
+              <a:ext uri="{FF2B5EF4-FFF2-40B4-BE49-F238E27FC236}">
+                <a16:creationId xmlns:a16="http://schemas.microsoft.com/office/drawing/2014/main" id="{0ADD3507-5F05-E448-93EF-34C6A3C411FA}"/>
+              </a:ext>
+            </a:extLst>
+          </p:cNvPr>
+          <p:cNvSpPr txBox="1"/>
+          <p:nvPr/>
+        </p:nvSpPr>
+        <p:spPr>
+          <a:xfrm>
+            <a:off x="6859508" y="2536214"/>
+            <a:ext cx="1081290" cy="230832"/>
+          </a:xfrm>
+          <a:prstGeom prst="rect">
+            <a:avLst/>
+          </a:prstGeom>
+          <a:solidFill>
+            <a:schemeClr val="bg1"/>
+          </a:solidFill>
+        </p:spPr>
+        <p:txBody>
+          <a:bodyPr wrap="square" rtlCol="0">
+            <a:spAutoFit/>
+          </a:bodyPr>
+          <a:lstStyle/>
+          <a:p>
+            <a:r>
+              <a:rPr kumimoji="1" lang="en-US" altLang="ko-Kore-KR" sz="900" dirty="0">
+                <a:latin typeface="Arial Unicode MS" panose="020B0604020202020204" pitchFamily="34" charset="-128"/>
+                <a:ea typeface="Arial Unicode MS" panose="020B0604020202020204" pitchFamily="34" charset="-128"/>
+                <a:cs typeface="Arial Unicode MS" panose="020B0604020202020204" pitchFamily="34" charset="-128"/>
+              </a:rPr>
+              <a:t>Back-end Server</a:t>
+            </a:r>
+            <a:endParaRPr kumimoji="1" lang="ko-Kore-KR" altLang="en-US" sz="900" dirty="0">
+              <a:latin typeface="Arial Unicode MS" panose="020B0604020202020204" pitchFamily="34" charset="-128"/>
+              <a:ea typeface="Arial Unicode MS" panose="020B0604020202020204" pitchFamily="34" charset="-128"/>
+              <a:cs typeface="Arial Unicode MS" panose="020B0604020202020204" pitchFamily="34" charset="-128"/>
+            </a:endParaRPr>
+          </a:p>
+        </p:txBody>
+      </p:sp>
+      <p:sp>
+        <p:nvSpPr>
+          <p:cNvPr id="92" name="화살표: 오른쪽 225">
+            <a:extLst>
+              <a:ext uri="{FF2B5EF4-FFF2-40B4-BE49-F238E27FC236}">
+                <a16:creationId xmlns:a16="http://schemas.microsoft.com/office/drawing/2014/main" id="{B8CE007C-9933-6C4B-AADE-9502B4BABFDB}"/>
+              </a:ext>
+            </a:extLst>
+          </p:cNvPr>
+          <p:cNvSpPr/>
+          <p:nvPr/>
+        </p:nvSpPr>
+        <p:spPr>
+          <a:xfrm rot="2800852">
+            <a:off x="6198722" y="2116016"/>
+            <a:ext cx="1188626" cy="45719"/>
+          </a:xfrm>
+          <a:prstGeom prst="rightArrow">
+            <a:avLst/>
+          </a:prstGeom>
+          <a:solidFill>
+            <a:schemeClr val="bg2"/>
+          </a:solidFill>
+          <a:ln>
+            <a:solidFill>
+              <a:schemeClr val="bg2">
+                <a:lumMod val="90000"/>
+              </a:schemeClr>
+            </a:solidFill>
+          </a:ln>
+        </p:spPr>
+        <p:style>
+          <a:lnRef idx="2">
+            <a:schemeClr val="accent1">
+              <a:shade val="50000"/>
+            </a:schemeClr>
+          </a:lnRef>
+          <a:fillRef idx="1">
+            <a:schemeClr val="accent1"/>
+          </a:fillRef>
+          <a:effectRef idx="0">
+            <a:schemeClr val="accent1"/>
+          </a:effectRef>
+          <a:fontRef idx="minor">
+            <a:schemeClr val="lt1"/>
+          </a:fontRef>
+        </p:style>
+        <p:txBody>
+          <a:bodyPr rtlCol="0" anchor="ctr"/>
+          <a:lstStyle/>
+          <a:p>
+            <a:pPr algn="ctr"/>
+            <a:endParaRPr lang="ko-KR" altLang="en-US"/>
+          </a:p>
+        </p:txBody>
+      </p:sp>
+      <p:sp>
+        <p:nvSpPr>
+          <p:cNvPr id="88" name="화살표: 위쪽/아래쪽 22">
+            <a:extLst>
+              <a:ext uri="{FF2B5EF4-FFF2-40B4-BE49-F238E27FC236}">
+                <a16:creationId xmlns:a16="http://schemas.microsoft.com/office/drawing/2014/main" id="{730EDB0D-95E6-1D42-A237-334494302F2A}"/>
+              </a:ext>
+            </a:extLst>
+          </p:cNvPr>
+          <p:cNvSpPr/>
+          <p:nvPr/>
+        </p:nvSpPr>
+        <p:spPr>
+          <a:xfrm rot="5400000">
+            <a:off x="6547771" y="2947009"/>
+            <a:ext cx="45719" cy="317357"/>
+          </a:xfrm>
+          <a:prstGeom prst="upDownArrow">
+            <a:avLst/>
+          </a:prstGeom>
+          <a:solidFill>
+            <a:schemeClr val="bg2"/>
+          </a:solidFill>
+          <a:ln>
+            <a:solidFill>
+              <a:schemeClr val="bg2">
+                <a:lumMod val="90000"/>
+              </a:schemeClr>
+            </a:solidFill>
+          </a:ln>
+        </p:spPr>
+        <p:style>
+          <a:lnRef idx="2">
+            <a:schemeClr val="accent1">
+              <a:shade val="50000"/>
+            </a:schemeClr>
+          </a:lnRef>
+          <a:fillRef idx="1">
+            <a:schemeClr val="accent1"/>
+          </a:fillRef>
+          <a:effectRef idx="0">
+            <a:schemeClr val="accent1"/>
+          </a:effectRef>
+          <a:fontRef idx="minor">
+            <a:schemeClr val="lt1"/>
+          </a:fontRef>
+        </p:style>
+        <p:txBody>
+          <a:bodyPr rtlCol="0" anchor="ctr"/>
+          <a:lstStyle/>
+          <a:p>
+            <a:pPr algn="ctr"/>
+            <a:endParaRPr lang="ko-KR" altLang="en-US" dirty="0"/>
+          </a:p>
+        </p:txBody>
+      </p:sp>
+      <p:sp>
+        <p:nvSpPr>
+          <p:cNvPr id="40" name="TextBox 39">
+            <a:extLst>
+              <a:ext uri="{FF2B5EF4-FFF2-40B4-BE49-F238E27FC236}">
+                <a16:creationId xmlns:a16="http://schemas.microsoft.com/office/drawing/2014/main" id="{43CB4802-8CB1-6C43-B059-6D85DE978BED}"/>
+              </a:ext>
+            </a:extLst>
+          </p:cNvPr>
+          <p:cNvSpPr txBox="1"/>
+          <p:nvPr/>
+        </p:nvSpPr>
+        <p:spPr>
+          <a:xfrm>
+            <a:off x="3536830" y="4554747"/>
+            <a:ext cx="2709396" cy="369332"/>
+          </a:xfrm>
+          <a:prstGeom prst="rect">
+            <a:avLst/>
+          </a:prstGeom>
+          <a:noFill/>
+        </p:spPr>
+        <p:txBody>
+          <a:bodyPr wrap="none" rtlCol="0">
+            <a:spAutoFit/>
+          </a:bodyPr>
+          <a:lstStyle/>
+          <a:p>
+            <a:r>
+              <a:rPr kumimoji="1" lang="ko-KR" altLang="en-US" dirty="0">
+                <a:solidFill>
+                  <a:srgbClr val="FF0000"/>
+                </a:solidFill>
+              </a:rPr>
+              <a:t>구도 수정</a:t>
+            </a:r>
+            <a:r>
+              <a:rPr kumimoji="1" lang="en-US" altLang="ko-KR" dirty="0">
+                <a:solidFill>
+                  <a:srgbClr val="FF0000"/>
+                </a:solidFill>
+              </a:rPr>
+              <a:t>,</a:t>
+            </a:r>
+            <a:r>
+              <a:rPr kumimoji="1" lang="ko-KR" altLang="en-US" dirty="0">
+                <a:solidFill>
+                  <a:srgbClr val="FF0000"/>
+                </a:solidFill>
+              </a:rPr>
+              <a:t> 포트번호 추가</a:t>
+            </a:r>
+            <a:endParaRPr kumimoji="1" lang="ko-Kore-KR" altLang="en-US" dirty="0">
+              <a:solidFill>
+                <a:srgbClr val="FF0000"/>
               </a:solidFill>
             </a:endParaRPr>
           </a:p>
